--- a/document/학생 관리 프로그램2.pptx
+++ b/document/학생 관리 프로그램2.pptx
@@ -10,13 +10,16 @@
     <p:sldId id="263" r:id="rId4"/>
     <p:sldId id="257" r:id="rId5"/>
     <p:sldId id="271" r:id="rId6"/>
-    <p:sldId id="275" r:id="rId7"/>
-    <p:sldId id="268" r:id="rId8"/>
-    <p:sldId id="264" r:id="rId9"/>
-    <p:sldId id="273" r:id="rId10"/>
-    <p:sldId id="266" r:id="rId11"/>
-    <p:sldId id="274" r:id="rId12"/>
-    <p:sldId id="265" r:id="rId13"/>
+    <p:sldId id="276" r:id="rId7"/>
+    <p:sldId id="277" r:id="rId8"/>
+    <p:sldId id="279" r:id="rId9"/>
+    <p:sldId id="278" r:id="rId10"/>
+    <p:sldId id="268" r:id="rId11"/>
+    <p:sldId id="264" r:id="rId12"/>
+    <p:sldId id="273" r:id="rId13"/>
+    <p:sldId id="266" r:id="rId14"/>
+    <p:sldId id="274" r:id="rId15"/>
+    <p:sldId id="280" r:id="rId16"/>
   </p:sldIdLst>
   <p:sldSz cx="12192000" cy="6858000"/>
   <p:notesSz cx="6858000" cy="9144000"/>
@@ -877,7 +880,7 @@
           <a:p>
             <a:fld id="{D28B5240-D2E3-4742-A7A7-37ED02282479}" type="datetimeFigureOut">
               <a:rPr lang="ko-KR" altLang="en-US" smtClean="0"/>
-              <a:t>2021-04-26</a:t>
+              <a:t>2021-04-29</a:t>
             </a:fld>
             <a:endParaRPr lang="ko-KR" altLang="en-US"/>
           </a:p>
@@ -1314,7 +1317,7 @@
           <a:p>
             <a:fld id="{D28B5240-D2E3-4742-A7A7-37ED02282479}" type="datetimeFigureOut">
               <a:rPr lang="ko-KR" altLang="en-US" smtClean="0"/>
-              <a:t>2021-04-26</a:t>
+              <a:t>2021-04-29</a:t>
             </a:fld>
             <a:endParaRPr lang="ko-KR" altLang="en-US"/>
           </a:p>
@@ -2365,7 +2368,7 @@
           <a:p>
             <a:fld id="{D28B5240-D2E3-4742-A7A7-37ED02282479}" type="datetimeFigureOut">
               <a:rPr lang="ko-KR" altLang="en-US" smtClean="0"/>
-              <a:t>2021-04-26</a:t>
+              <a:t>2021-04-29</a:t>
             </a:fld>
             <a:endParaRPr lang="ko-KR" altLang="en-US"/>
           </a:p>
@@ -2555,7 +2558,7 @@
           <a:p>
             <a:fld id="{D28B5240-D2E3-4742-A7A7-37ED02282479}" type="datetimeFigureOut">
               <a:rPr lang="ko-KR" altLang="en-US" smtClean="0"/>
-              <a:t>2021-04-26</a:t>
+              <a:t>2021-04-29</a:t>
             </a:fld>
             <a:endParaRPr lang="ko-KR" altLang="en-US"/>
           </a:p>
@@ -3077,7 +3080,7 @@
           <a:p>
             <a:fld id="{D28B5240-D2E3-4742-A7A7-37ED02282479}" type="datetimeFigureOut">
               <a:rPr lang="ko-KR" altLang="en-US" smtClean="0"/>
-              <a:t>2021-04-26</a:t>
+              <a:t>2021-04-29</a:t>
             </a:fld>
             <a:endParaRPr lang="ko-KR" altLang="en-US"/>
           </a:p>
@@ -3514,7 +3517,7 @@
           <a:p>
             <a:fld id="{D28B5240-D2E3-4742-A7A7-37ED02282479}" type="datetimeFigureOut">
               <a:rPr lang="ko-KR" altLang="en-US" smtClean="0"/>
-              <a:t>2021-04-26</a:t>
+              <a:t>2021-04-29</a:t>
             </a:fld>
             <a:endParaRPr lang="ko-KR" altLang="en-US"/>
           </a:p>
@@ -4208,7 +4211,7 @@
           <a:p>
             <a:fld id="{D28B5240-D2E3-4742-A7A7-37ED02282479}" type="datetimeFigureOut">
               <a:rPr lang="ko-KR" altLang="en-US" smtClean="0"/>
-              <a:t>2021-04-26</a:t>
+              <a:t>2021-04-29</a:t>
             </a:fld>
             <a:endParaRPr lang="ko-KR" altLang="en-US"/>
           </a:p>
@@ -4547,7 +4550,7 @@
           <a:p>
             <a:fld id="{D28B5240-D2E3-4742-A7A7-37ED02282479}" type="datetimeFigureOut">
               <a:rPr lang="ko-KR" altLang="en-US" smtClean="0"/>
-              <a:t>2021-04-26</a:t>
+              <a:t>2021-04-29</a:t>
             </a:fld>
             <a:endParaRPr lang="ko-KR" altLang="en-US"/>
           </a:p>
@@ -4826,7 +4829,7 @@
           <a:p>
             <a:fld id="{D28B5240-D2E3-4742-A7A7-37ED02282479}" type="datetimeFigureOut">
               <a:rPr lang="ko-KR" altLang="en-US" smtClean="0"/>
-              <a:t>2021-04-26</a:t>
+              <a:t>2021-04-29</a:t>
             </a:fld>
             <a:endParaRPr lang="ko-KR" altLang="en-US"/>
           </a:p>
@@ -5478,7 +5481,7 @@
           <a:p>
             <a:fld id="{D28B5240-D2E3-4742-A7A7-37ED02282479}" type="datetimeFigureOut">
               <a:rPr lang="ko-KR" altLang="en-US" smtClean="0"/>
-              <a:t>2021-04-26</a:t>
+              <a:t>2021-04-29</a:t>
             </a:fld>
             <a:endParaRPr lang="ko-KR" altLang="en-US"/>
           </a:p>
@@ -5903,7 +5906,7 @@
           <a:p>
             <a:fld id="{D28B5240-D2E3-4742-A7A7-37ED02282479}" type="datetimeFigureOut">
               <a:rPr lang="ko-KR" altLang="en-US" smtClean="0"/>
-              <a:t>2021-04-26</a:t>
+              <a:t>2021-04-29</a:t>
             </a:fld>
             <a:endParaRPr lang="ko-KR" altLang="en-US"/>
           </a:p>
@@ -10197,7 +10200,7 @@
           <a:p>
             <a:fld id="{D28B5240-D2E3-4742-A7A7-37ED02282479}" type="datetimeFigureOut">
               <a:rPr lang="ko-KR" altLang="en-US" smtClean="0"/>
-              <a:t>2021-04-26</a:t>
+              <a:t>2021-04-29</a:t>
             </a:fld>
             <a:endParaRPr lang="ko-KR" altLang="en-US"/>
           </a:p>
@@ -10732,7 +10735,7 @@
       </p:grpSpPr>
       <p:sp>
         <p:nvSpPr>
-          <p:cNvPr id="5" name="제목 1"/>
+          <p:cNvPr id="2" name="제목 1"/>
           <p:cNvSpPr>
             <a:spLocks noGrp="1"/>
           </p:cNvSpPr>
@@ -10742,43 +10745,33 @@
         </p:nvSpPr>
         <p:spPr>
           <a:xfrm>
-            <a:off x="2133600" y="109728"/>
-            <a:ext cx="7924800" cy="788196"/>
+            <a:off x="838200" y="365125"/>
+            <a:ext cx="10515600" cy="433945"/>
           </a:xfrm>
         </p:spPr>
         <p:txBody>
           <a:bodyPr>
-            <a:normAutofit/>
+            <a:normAutofit fontScale="90000"/>
           </a:bodyPr>
           <a:lstStyle/>
           <a:p>
             <a:r>
-              <a:rPr lang="ko-KR" altLang="en-US" sz="2800" dirty="0" smtClean="0"/>
-              <a:t>화면구성</a:t>
+              <a:rPr lang="ko-KR" altLang="en-US" sz="2400" dirty="0" smtClean="0"/>
+              <a:t>데이터베이스 테이블 정의서</a:t>
             </a:r>
-            <a:r>
-              <a:rPr lang="en-US" altLang="ko-KR" sz="2800" dirty="0" smtClean="0"/>
-              <a:t>(</a:t>
-            </a:r>
-            <a:r>
-              <a:rPr lang="ko-KR" altLang="en-US" sz="2800" dirty="0" smtClean="0"/>
-              <a:t>성적관리</a:t>
-            </a:r>
-            <a:r>
-              <a:rPr lang="en-US" altLang="ko-KR" sz="2800" dirty="0" smtClean="0"/>
-              <a:t>)</a:t>
-            </a:r>
-            <a:endParaRPr lang="ko-KR" altLang="en-US" sz="2800" dirty="0"/>
+            <a:endParaRPr lang="ko-KR" altLang="en-US" sz="2400" dirty="0"/>
           </a:p>
         </p:txBody>
       </p:sp>
       <p:pic>
         <p:nvPicPr>
-          <p:cNvPr id="4" name="그림 3"/>
+          <p:cNvPr id="8" name="내용 개체 틀 7"/>
           <p:cNvPicPr>
-            <a:picLocks noChangeAspect="1"/>
+            <a:picLocks noGrp="1" noChangeAspect="1"/>
           </p:cNvPicPr>
-          <p:nvPr/>
+          <p:nvPr>
+            <p:ph idx="1"/>
+          </p:nvPr>
         </p:nvPicPr>
         <p:blipFill>
           <a:blip r:embed="rId2"/>
@@ -10788,65 +10781,17 @@
         </p:blipFill>
         <p:spPr>
           <a:xfrm>
-            <a:off x="1680546" y="897924"/>
-            <a:ext cx="8830907" cy="5220429"/>
+            <a:off x="6272149" y="972064"/>
+            <a:ext cx="4964262" cy="3511542"/>
           </a:xfrm>
           <a:prstGeom prst="rect">
             <a:avLst/>
           </a:prstGeom>
         </p:spPr>
       </p:pic>
-      <p:sp>
-        <p:nvSpPr>
-          <p:cNvPr id="8" name="모서리가 둥근 직사각형 7"/>
-          <p:cNvSpPr/>
-          <p:nvPr/>
-        </p:nvSpPr>
-        <p:spPr>
-          <a:xfrm>
-            <a:off x="3097763" y="1614196"/>
-            <a:ext cx="6512768" cy="419877"/>
-          </a:xfrm>
-          <a:prstGeom prst="roundRect">
-            <a:avLst/>
-          </a:prstGeom>
-          <a:noFill/>
-          <a:ln>
-            <a:solidFill>
-              <a:schemeClr val="accent1">
-                <a:shade val="50000"/>
-              </a:schemeClr>
-            </a:solidFill>
-          </a:ln>
-        </p:spPr>
-        <p:style>
-          <a:lnRef idx="2">
-            <a:schemeClr val="accent1">
-              <a:shade val="50000"/>
-            </a:schemeClr>
-          </a:lnRef>
-          <a:fillRef idx="1">
-            <a:schemeClr val="accent1"/>
-          </a:fillRef>
-          <a:effectRef idx="0">
-            <a:schemeClr val="accent1"/>
-          </a:effectRef>
-          <a:fontRef idx="minor">
-            <a:schemeClr val="lt1"/>
-          </a:fontRef>
-        </p:style>
-        <p:txBody>
-          <a:bodyPr rtlCol="0" anchor="ctr"/>
-          <a:lstStyle/>
-          <a:p>
-            <a:pPr algn="ctr"/>
-            <a:endParaRPr lang="ko-KR" altLang="en-US"/>
-          </a:p>
-        </p:txBody>
-      </p:sp>
       <p:pic>
         <p:nvPicPr>
-          <p:cNvPr id="11" name="그림 10"/>
+          <p:cNvPr id="7" name="그림 6"/>
           <p:cNvPicPr>
             <a:picLocks noChangeAspect="1"/>
           </p:cNvPicPr>
@@ -10860,8 +10805,8 @@
         </p:blipFill>
         <p:spPr>
           <a:xfrm>
-            <a:off x="6618385" y="3381572"/>
-            <a:ext cx="466790" cy="438211"/>
+            <a:off x="676618" y="972064"/>
+            <a:ext cx="5186680" cy="3471163"/>
           </a:xfrm>
           <a:prstGeom prst="rect">
             <a:avLst/>
@@ -10870,7 +10815,7 @@
       </p:pic>
       <p:pic>
         <p:nvPicPr>
-          <p:cNvPr id="12" name="그림 11"/>
+          <p:cNvPr id="10" name="그림 9"/>
           <p:cNvPicPr>
             <a:picLocks noChangeAspect="1"/>
           </p:cNvPicPr>
@@ -10884,363 +10829,32 @@
         </p:blipFill>
         <p:spPr>
           <a:xfrm>
-            <a:off x="7085175" y="1104779"/>
-            <a:ext cx="4153480" cy="2276793"/>
+            <a:off x="676618" y="4616221"/>
+            <a:ext cx="5186680" cy="854379"/>
           </a:xfrm>
           <a:prstGeom prst="rect">
             <a:avLst/>
           </a:prstGeom>
         </p:spPr>
       </p:pic>
-    </p:spTree>
-    <p:extLst>
-      <p:ext uri="{BB962C8B-B14F-4D97-AF65-F5344CB8AC3E}">
-        <p14:creationId xmlns:p14="http://schemas.microsoft.com/office/powerpoint/2010/main" val="600719156"/>
-      </p:ext>
-    </p:extLst>
-  </p:cSld>
-  <p:clrMapOvr>
-    <a:masterClrMapping/>
-  </p:clrMapOvr>
-  <p:timing>
-    <p:tnLst>
-      <p:par>
-        <p:cTn id="1" dur="indefinite" restart="never" nodeType="tmRoot">
-          <p:childTnLst>
-            <p:seq concurrent="1" nextAc="seek">
-              <p:cTn id="2" dur="indefinite" nodeType="mainSeq">
-                <p:childTnLst>
-                  <p:par>
-                    <p:cTn id="3" fill="hold">
-                      <p:stCondLst>
-                        <p:cond delay="indefinite"/>
-                      </p:stCondLst>
-                      <p:childTnLst>
-                        <p:par>
-                          <p:cTn id="4" fill="hold">
-                            <p:stCondLst>
-                              <p:cond delay="0"/>
-                            </p:stCondLst>
-                            <p:childTnLst>
-                              <p:par>
-                                <p:cTn id="5" presetID="1" presetClass="entr" presetSubtype="0" fill="hold" grpId="0" nodeType="clickEffect">
-                                  <p:stCondLst>
-                                    <p:cond delay="0"/>
-                                  </p:stCondLst>
-                                  <p:childTnLst>
-                                    <p:set>
-                                      <p:cBhvr>
-                                        <p:cTn id="6" dur="1" fill="hold">
-                                          <p:stCondLst>
-                                            <p:cond delay="0"/>
-                                          </p:stCondLst>
-                                        </p:cTn>
-                                        <p:tgtEl>
-                                          <p:spTgt spid="8"/>
-                                        </p:tgtEl>
-                                        <p:attrNameLst>
-                                          <p:attrName>style.visibility</p:attrName>
-                                        </p:attrNameLst>
-                                      </p:cBhvr>
-                                      <p:to>
-                                        <p:strVal val="visible"/>
-                                      </p:to>
-                                    </p:set>
-                                  </p:childTnLst>
-                                </p:cTn>
-                              </p:par>
-                            </p:childTnLst>
-                          </p:cTn>
-                        </p:par>
-                      </p:childTnLst>
-                    </p:cTn>
-                  </p:par>
-                  <p:par>
-                    <p:cTn id="7" fill="hold">
-                      <p:stCondLst>
-                        <p:cond delay="indefinite"/>
-                      </p:stCondLst>
-                      <p:childTnLst>
-                        <p:par>
-                          <p:cTn id="8" fill="hold">
-                            <p:stCondLst>
-                              <p:cond delay="0"/>
-                            </p:stCondLst>
-                            <p:childTnLst>
-                              <p:par>
-                                <p:cTn id="9" presetID="1" presetClass="exit" presetSubtype="0" fill="hold" grpId="1" nodeType="clickEffect">
-                                  <p:stCondLst>
-                                    <p:cond delay="0"/>
-                                  </p:stCondLst>
-                                  <p:childTnLst>
-                                    <p:set>
-                                      <p:cBhvr>
-                                        <p:cTn id="10" dur="1" fill="hold">
-                                          <p:stCondLst>
-                                            <p:cond delay="0"/>
-                                          </p:stCondLst>
-                                        </p:cTn>
-                                        <p:tgtEl>
-                                          <p:spTgt spid="8"/>
-                                        </p:tgtEl>
-                                        <p:attrNameLst>
-                                          <p:attrName>style.visibility</p:attrName>
-                                        </p:attrNameLst>
-                                      </p:cBhvr>
-                                      <p:to>
-                                        <p:strVal val="hidden"/>
-                                      </p:to>
-                                    </p:set>
-                                  </p:childTnLst>
-                                </p:cTn>
-                              </p:par>
-                            </p:childTnLst>
-                          </p:cTn>
-                        </p:par>
-                      </p:childTnLst>
-                    </p:cTn>
-                  </p:par>
-                  <p:par>
-                    <p:cTn id="11" fill="hold">
-                      <p:stCondLst>
-                        <p:cond delay="indefinite"/>
-                      </p:stCondLst>
-                      <p:childTnLst>
-                        <p:par>
-                          <p:cTn id="12" fill="hold">
-                            <p:stCondLst>
-                              <p:cond delay="0"/>
-                            </p:stCondLst>
-                            <p:childTnLst>
-                              <p:par>
-                                <p:cTn id="13" presetID="1" presetClass="entr" presetSubtype="0" fill="hold" nodeType="clickEffect">
-                                  <p:stCondLst>
-                                    <p:cond delay="0"/>
-                                  </p:stCondLst>
-                                  <p:childTnLst>
-                                    <p:set>
-                                      <p:cBhvr>
-                                        <p:cTn id="14" dur="1" fill="hold">
-                                          <p:stCondLst>
-                                            <p:cond delay="0"/>
-                                          </p:stCondLst>
-                                        </p:cTn>
-                                        <p:tgtEl>
-                                          <p:spTgt spid="11"/>
-                                        </p:tgtEl>
-                                        <p:attrNameLst>
-                                          <p:attrName>style.visibility</p:attrName>
-                                        </p:attrNameLst>
-                                      </p:cBhvr>
-                                      <p:to>
-                                        <p:strVal val="visible"/>
-                                      </p:to>
-                                    </p:set>
-                                  </p:childTnLst>
-                                </p:cTn>
-                              </p:par>
-                            </p:childTnLst>
-                          </p:cTn>
-                        </p:par>
-                      </p:childTnLst>
-                    </p:cTn>
-                  </p:par>
-                  <p:par>
-                    <p:cTn id="15" fill="hold">
-                      <p:stCondLst>
-                        <p:cond delay="indefinite"/>
-                      </p:stCondLst>
-                      <p:childTnLst>
-                        <p:par>
-                          <p:cTn id="16" fill="hold">
-                            <p:stCondLst>
-                              <p:cond delay="0"/>
-                            </p:stCondLst>
-                            <p:childTnLst>
-                              <p:par>
-                                <p:cTn id="17" presetID="1" presetClass="exit" presetSubtype="0" fill="hold" nodeType="clickEffect">
-                                  <p:stCondLst>
-                                    <p:cond delay="0"/>
-                                  </p:stCondLst>
-                                  <p:childTnLst>
-                                    <p:set>
-                                      <p:cBhvr>
-                                        <p:cTn id="18" dur="1" fill="hold">
-                                          <p:stCondLst>
-                                            <p:cond delay="0"/>
-                                          </p:stCondLst>
-                                        </p:cTn>
-                                        <p:tgtEl>
-                                          <p:spTgt spid="11"/>
-                                        </p:tgtEl>
-                                        <p:attrNameLst>
-                                          <p:attrName>style.visibility</p:attrName>
-                                        </p:attrNameLst>
-                                      </p:cBhvr>
-                                      <p:to>
-                                        <p:strVal val="hidden"/>
-                                      </p:to>
-                                    </p:set>
-                                  </p:childTnLst>
-                                </p:cTn>
-                              </p:par>
-                            </p:childTnLst>
-                          </p:cTn>
-                        </p:par>
-                      </p:childTnLst>
-                    </p:cTn>
-                  </p:par>
-                  <p:par>
-                    <p:cTn id="19" fill="hold">
-                      <p:stCondLst>
-                        <p:cond delay="indefinite"/>
-                      </p:stCondLst>
-                      <p:childTnLst>
-                        <p:par>
-                          <p:cTn id="20" fill="hold">
-                            <p:stCondLst>
-                              <p:cond delay="0"/>
-                            </p:stCondLst>
-                            <p:childTnLst>
-                              <p:par>
-                                <p:cTn id="21" presetID="1" presetClass="entr" presetSubtype="0" fill="hold" nodeType="clickEffect">
-                                  <p:stCondLst>
-                                    <p:cond delay="0"/>
-                                  </p:stCondLst>
-                                  <p:childTnLst>
-                                    <p:set>
-                                      <p:cBhvr>
-                                        <p:cTn id="22" dur="1" fill="hold">
-                                          <p:stCondLst>
-                                            <p:cond delay="0"/>
-                                          </p:stCondLst>
-                                        </p:cTn>
-                                        <p:tgtEl>
-                                          <p:spTgt spid="12"/>
-                                        </p:tgtEl>
-                                        <p:attrNameLst>
-                                          <p:attrName>style.visibility</p:attrName>
-                                        </p:attrNameLst>
-                                      </p:cBhvr>
-                                      <p:to>
-                                        <p:strVal val="visible"/>
-                                      </p:to>
-                                    </p:set>
-                                  </p:childTnLst>
-                                </p:cTn>
-                              </p:par>
-                            </p:childTnLst>
-                          </p:cTn>
-                        </p:par>
-                      </p:childTnLst>
-                    </p:cTn>
-                  </p:par>
-                </p:childTnLst>
-              </p:cTn>
-              <p:prevCondLst>
-                <p:cond evt="onPrev" delay="0">
-                  <p:tgtEl>
-                    <p:sldTgt/>
-                  </p:tgtEl>
-                </p:cond>
-              </p:prevCondLst>
-              <p:nextCondLst>
-                <p:cond evt="onNext" delay="0">
-                  <p:tgtEl>
-                    <p:sldTgt/>
-                  </p:tgtEl>
-                </p:cond>
-              </p:nextCondLst>
-            </p:seq>
-          </p:childTnLst>
-        </p:cTn>
-      </p:par>
-    </p:tnLst>
-    <p:bldLst>
-      <p:bldP spid="8" grpId="0" animBg="1"/>
-      <p:bldP spid="8" grpId="1" animBg="1"/>
-    </p:bldLst>
-  </p:timing>
-</p:sld>
-</file>
-
-<file path=ppt/slides/slide11.xml><?xml version="1.0" encoding="utf-8"?>
-<p:sld xmlns:a="http://schemas.openxmlformats.org/drawingml/2006/main" xmlns:r="http://schemas.openxmlformats.org/officeDocument/2006/relationships" xmlns:p="http://schemas.openxmlformats.org/presentationml/2006/main">
-  <p:cSld>
-    <p:spTree>
-      <p:nvGrpSpPr>
-        <p:cNvPr id="1" name=""/>
-        <p:cNvGrpSpPr/>
-        <p:nvPr/>
-      </p:nvGrpSpPr>
-      <p:grpSpPr>
-        <a:xfrm>
-          <a:off x="0" y="0"/>
-          <a:ext cx="0" cy="0"/>
-          <a:chOff x="0" y="0"/>
-          <a:chExt cx="0" cy="0"/>
-        </a:xfrm>
-      </p:grpSpPr>
-      <p:sp>
-        <p:nvSpPr>
-          <p:cNvPr id="5" name="제목 1"/>
-          <p:cNvSpPr>
-            <a:spLocks noGrp="1"/>
-          </p:cNvSpPr>
-          <p:nvPr>
-            <p:ph type="title"/>
-          </p:nvPr>
-        </p:nvSpPr>
-        <p:spPr>
-          <a:xfrm>
-            <a:off x="2133600" y="109728"/>
-            <a:ext cx="7924800" cy="788196"/>
-          </a:xfrm>
-        </p:spPr>
-        <p:txBody>
-          <a:bodyPr>
-            <a:normAutofit/>
-          </a:bodyPr>
-          <a:lstStyle/>
-          <a:p>
-            <a:r>
-              <a:rPr lang="ko-KR" altLang="en-US" sz="2800" dirty="0" smtClean="0"/>
-              <a:t>화면구성</a:t>
-            </a:r>
-            <a:r>
-              <a:rPr lang="en-US" altLang="ko-KR" sz="2800" dirty="0" smtClean="0"/>
-              <a:t>(</a:t>
-            </a:r>
-            <a:r>
-              <a:rPr lang="ko-KR" altLang="en-US" sz="2800" dirty="0" smtClean="0"/>
-              <a:t>성적관리</a:t>
-            </a:r>
-            <a:r>
-              <a:rPr lang="en-US" altLang="ko-KR" sz="2800" dirty="0" smtClean="0"/>
-              <a:t>)</a:t>
-            </a:r>
-            <a:endParaRPr lang="ko-KR" altLang="en-US" sz="2800" dirty="0"/>
-          </a:p>
-        </p:txBody>
-      </p:sp>
       <p:pic>
         <p:nvPicPr>
-          <p:cNvPr id="2" name="그림 1"/>
+          <p:cNvPr id="11" name="그림 10"/>
           <p:cNvPicPr>
             <a:picLocks noChangeAspect="1"/>
           </p:cNvPicPr>
           <p:nvPr/>
         </p:nvPicPr>
         <p:blipFill>
-          <a:blip r:embed="rId2"/>
+          <a:blip r:embed="rId5"/>
           <a:stretch>
             <a:fillRect/>
           </a:stretch>
         </p:blipFill>
         <p:spPr>
           <a:xfrm>
-            <a:off x="3304785" y="897924"/>
-            <a:ext cx="5582429" cy="5220429"/>
+            <a:off x="6272150" y="4616221"/>
+            <a:ext cx="4964261" cy="701028"/>
           </a:xfrm>
           <a:prstGeom prst="rect">
             <a:avLst/>
@@ -11250,7 +10864,7 @@
     </p:spTree>
     <p:extLst>
       <p:ext uri="{BB962C8B-B14F-4D97-AF65-F5344CB8AC3E}">
-        <p14:creationId xmlns:p14="http://schemas.microsoft.com/office/powerpoint/2010/main" val="4082955195"/>
+        <p14:creationId xmlns:p14="http://schemas.microsoft.com/office/powerpoint/2010/main" val="1003245407"/>
       </p:ext>
     </p:extLst>
   </p:cSld>
@@ -11267,7 +10881,7 @@
 </p:sld>
 </file>
 
-<file path=ppt/slides/slide12.xml><?xml version="1.0" encoding="utf-8"?>
+<file path=ppt/slides/slide11.xml><?xml version="1.0" encoding="utf-8"?>
 <p:sld xmlns:a="http://schemas.openxmlformats.org/drawingml/2006/main" xmlns:r="http://schemas.openxmlformats.org/officeDocument/2006/relationships" xmlns:p="http://schemas.openxmlformats.org/presentationml/2006/main">
   <p:cSld>
     <p:spTree>
@@ -11301,1449 +10915,6 @@
           <a:p>
             <a:r>
               <a:rPr lang="ko-KR" altLang="en-US" dirty="0" smtClean="0"/>
-              <a:t>구현기능</a:t>
-            </a:r>
-            <a:endParaRPr lang="ko-KR" altLang="en-US" dirty="0"/>
-          </a:p>
-        </p:txBody>
-      </p:sp>
-      <p:sp>
-        <p:nvSpPr>
-          <p:cNvPr id="3" name="내용 개체 틀 2"/>
-          <p:cNvSpPr>
-            <a:spLocks noGrp="1"/>
-          </p:cNvSpPr>
-          <p:nvPr>
-            <p:ph idx="1"/>
-          </p:nvPr>
-        </p:nvSpPr>
-        <p:spPr>
-          <a:xfrm>
-            <a:off x="609600" y="1527048"/>
-            <a:ext cx="10972800" cy="771309"/>
-          </a:xfrm>
-        </p:spPr>
-        <p:txBody>
-          <a:bodyPr>
-            <a:normAutofit fontScale="92500" lnSpcReduction="20000"/>
-          </a:bodyPr>
-          <a:lstStyle/>
-          <a:p>
-            <a:pPr lvl="1"/>
-            <a:r>
-              <a:rPr lang="ko-KR" altLang="en-US" dirty="0" smtClean="0"/>
-              <a:t>검색기능</a:t>
-            </a:r>
-            <a:endParaRPr lang="en-US" altLang="ko-KR" dirty="0" smtClean="0"/>
-          </a:p>
-          <a:p>
-            <a:pPr lvl="2"/>
-            <a:r>
-              <a:rPr lang="ko-KR" altLang="en-US" dirty="0" smtClean="0"/>
-              <a:t>성명</a:t>
-            </a:r>
-            <a:r>
-              <a:rPr lang="en-US" altLang="ko-KR" dirty="0" smtClean="0"/>
-              <a:t>,</a:t>
-            </a:r>
-            <a:r>
-              <a:rPr lang="ko-KR" altLang="en-US" dirty="0" smtClean="0"/>
-              <a:t>학번</a:t>
-            </a:r>
-            <a:r>
-              <a:rPr lang="en-US" altLang="ko-KR" dirty="0" smtClean="0"/>
-              <a:t>,</a:t>
-            </a:r>
-            <a:r>
-              <a:rPr lang="ko-KR" altLang="en-US" dirty="0" smtClean="0"/>
-              <a:t>주야</a:t>
-            </a:r>
-            <a:r>
-              <a:rPr lang="en-US" altLang="ko-KR" dirty="0" smtClean="0"/>
-              <a:t>,</a:t>
-            </a:r>
-            <a:r>
-              <a:rPr lang="ko-KR" altLang="en-US" dirty="0" smtClean="0"/>
-              <a:t>학과</a:t>
-            </a:r>
-            <a:r>
-              <a:rPr lang="en-US" altLang="ko-KR" dirty="0" smtClean="0"/>
-              <a:t>,</a:t>
-            </a:r>
-            <a:r>
-              <a:rPr lang="ko-KR" altLang="en-US" dirty="0" smtClean="0"/>
-              <a:t>학년</a:t>
-            </a:r>
-            <a:r>
-              <a:rPr lang="en-US" altLang="ko-KR" dirty="0" smtClean="0"/>
-              <a:t>,</a:t>
-            </a:r>
-            <a:r>
-              <a:rPr lang="ko-KR" altLang="en-US" dirty="0" smtClean="0"/>
-              <a:t>학적</a:t>
-            </a:r>
-            <a:r>
-              <a:rPr lang="en-US" altLang="ko-KR" dirty="0" smtClean="0"/>
-              <a:t>,</a:t>
-            </a:r>
-            <a:r>
-              <a:rPr lang="ko-KR" altLang="en-US" dirty="0" smtClean="0"/>
-              <a:t>성별</a:t>
-            </a:r>
-            <a:r>
-              <a:rPr lang="en-US" altLang="ko-KR" dirty="0" smtClean="0"/>
-              <a:t>,</a:t>
-            </a:r>
-            <a:r>
-              <a:rPr lang="ko-KR" altLang="en-US" dirty="0" smtClean="0"/>
-              <a:t>병역 문항 개별로 검색가능</a:t>
-            </a:r>
-            <a:endParaRPr lang="en-US" altLang="ko-KR" dirty="0"/>
-          </a:p>
-          <a:p>
-            <a:pPr marL="914400" lvl="2" indent="0">
-              <a:buNone/>
-            </a:pPr>
-            <a:endParaRPr lang="en-US" altLang="ko-KR" dirty="0" smtClean="0"/>
-          </a:p>
-        </p:txBody>
-      </p:sp>
-      <p:sp>
-        <p:nvSpPr>
-          <p:cNvPr id="4" name="내용 개체 틀 2"/>
-          <p:cNvSpPr txBox="1">
-            <a:spLocks/>
-          </p:cNvSpPr>
-          <p:nvPr/>
-        </p:nvSpPr>
-        <p:spPr bwMode="gray">
-          <a:xfrm>
-            <a:off x="609600" y="2729200"/>
-            <a:ext cx="10972800" cy="1018444"/>
-          </a:xfrm>
-          <a:prstGeom prst="rect">
-            <a:avLst/>
-          </a:prstGeom>
-        </p:spPr>
-        <p:txBody>
-          <a:bodyPr vert="horz" lIns="91440" tIns="45720" rIns="91440" bIns="45720" rtlCol="0">
-            <a:normAutofit fontScale="85000" lnSpcReduction="20000"/>
-          </a:bodyPr>
-          <a:lstStyle>
-            <a:lvl1pPr marL="342900" indent="-342900" algn="l" defTabSz="914400" rtl="0" eaLnBrk="1" latinLnBrk="1" hangingPunct="1">
-              <a:spcBef>
-                <a:spcPct val="20000"/>
-              </a:spcBef>
-              <a:buClr>
-                <a:schemeClr val="tx2"/>
-              </a:buClr>
-              <a:buSzPct val="90000"/>
-              <a:buFont typeface="Wingdings 3" pitchFamily="18" charset="2"/>
-              <a:buChar char=""/>
-              <a:defRPr sz="3200" kern="1200">
-                <a:solidFill>
-                  <a:schemeClr val="tx1"/>
-                </a:solidFill>
-                <a:latin typeface="+mn-lt"/>
-                <a:ea typeface="+mn-ea"/>
-                <a:cs typeface="+mn-cs"/>
-              </a:defRPr>
-            </a:lvl1pPr>
-            <a:lvl2pPr marL="742950" indent="-285750" algn="l" defTabSz="914400" rtl="0" eaLnBrk="1" latinLnBrk="1" hangingPunct="1">
-              <a:spcBef>
-                <a:spcPct val="20000"/>
-              </a:spcBef>
-              <a:buClr>
-                <a:schemeClr val="accent2"/>
-              </a:buClr>
-              <a:buSzPct val="90000"/>
-              <a:buFont typeface="Wingdings 3" pitchFamily="18" charset="2"/>
-              <a:buChar char=""/>
-              <a:defRPr sz="2800" kern="1200">
-                <a:solidFill>
-                  <a:schemeClr val="tx1"/>
-                </a:solidFill>
-                <a:latin typeface="+mn-lt"/>
-                <a:ea typeface="+mn-ea"/>
-                <a:cs typeface="+mn-cs"/>
-              </a:defRPr>
-            </a:lvl2pPr>
-            <a:lvl3pPr marL="1143000" indent="-228600" algn="l" defTabSz="914400" rtl="0" eaLnBrk="1" latinLnBrk="1" hangingPunct="1">
-              <a:spcBef>
-                <a:spcPct val="20000"/>
-              </a:spcBef>
-              <a:buClr>
-                <a:schemeClr val="accent3"/>
-              </a:buClr>
-              <a:buSzPct val="90000"/>
-              <a:buFont typeface="Wingdings 3" pitchFamily="18" charset="2"/>
-              <a:buChar char=""/>
-              <a:defRPr sz="2400" kern="1200">
-                <a:solidFill>
-                  <a:schemeClr val="tx1"/>
-                </a:solidFill>
-                <a:latin typeface="+mn-lt"/>
-                <a:ea typeface="+mn-ea"/>
-                <a:cs typeface="+mn-cs"/>
-              </a:defRPr>
-            </a:lvl3pPr>
-            <a:lvl4pPr marL="1600200" indent="-228600" algn="l" defTabSz="914400" rtl="0" eaLnBrk="1" latinLnBrk="1" hangingPunct="1">
-              <a:spcBef>
-                <a:spcPct val="20000"/>
-              </a:spcBef>
-              <a:buClr>
-                <a:schemeClr val="accent4"/>
-              </a:buClr>
-              <a:buSzPct val="90000"/>
-              <a:buFont typeface="Wingdings 3" pitchFamily="18" charset="2"/>
-              <a:buChar char=""/>
-              <a:defRPr sz="2000" kern="1200">
-                <a:solidFill>
-                  <a:schemeClr val="tx1"/>
-                </a:solidFill>
-                <a:latin typeface="+mn-lt"/>
-                <a:ea typeface="+mn-ea"/>
-                <a:cs typeface="+mn-cs"/>
-              </a:defRPr>
-            </a:lvl4pPr>
-            <a:lvl5pPr marL="2057400" indent="-228600" algn="l" defTabSz="914400" rtl="0" eaLnBrk="1" latinLnBrk="1" hangingPunct="1">
-              <a:spcBef>
-                <a:spcPct val="20000"/>
-              </a:spcBef>
-              <a:buClr>
-                <a:schemeClr val="accent5"/>
-              </a:buClr>
-              <a:buSzPct val="90000"/>
-              <a:buFont typeface="Wingdings 3" pitchFamily="18" charset="2"/>
-              <a:buChar char=""/>
-              <a:defRPr sz="2000" kern="1200">
-                <a:solidFill>
-                  <a:schemeClr val="tx1"/>
-                </a:solidFill>
-                <a:latin typeface="+mn-lt"/>
-                <a:ea typeface="+mn-ea"/>
-                <a:cs typeface="+mn-cs"/>
-              </a:defRPr>
-            </a:lvl5pPr>
-            <a:lvl6pPr marL="2514600" indent="-228600" algn="l" defTabSz="914400" rtl="0" eaLnBrk="1" latinLnBrk="1" hangingPunct="1">
-              <a:spcBef>
-                <a:spcPct val="20000"/>
-              </a:spcBef>
-              <a:buFont typeface="Arial" pitchFamily="34" charset="0"/>
-              <a:buChar char="•"/>
-              <a:defRPr sz="2000" kern="1200">
-                <a:solidFill>
-                  <a:schemeClr val="tx1"/>
-                </a:solidFill>
-                <a:latin typeface="+mn-lt"/>
-                <a:ea typeface="+mn-ea"/>
-                <a:cs typeface="+mn-cs"/>
-              </a:defRPr>
-            </a:lvl6pPr>
-            <a:lvl7pPr marL="2971800" indent="-228600" algn="l" defTabSz="914400" rtl="0" eaLnBrk="1" latinLnBrk="1" hangingPunct="1">
-              <a:spcBef>
-                <a:spcPct val="20000"/>
-              </a:spcBef>
-              <a:buFont typeface="Arial" pitchFamily="34" charset="0"/>
-              <a:buChar char="•"/>
-              <a:defRPr sz="2000" kern="1200">
-                <a:solidFill>
-                  <a:schemeClr val="tx1"/>
-                </a:solidFill>
-                <a:latin typeface="+mn-lt"/>
-                <a:ea typeface="+mn-ea"/>
-                <a:cs typeface="+mn-cs"/>
-              </a:defRPr>
-            </a:lvl7pPr>
-            <a:lvl8pPr marL="3429000" indent="-228600" algn="l" defTabSz="914400" rtl="0" eaLnBrk="1" latinLnBrk="1" hangingPunct="1">
-              <a:spcBef>
-                <a:spcPct val="20000"/>
-              </a:spcBef>
-              <a:buFont typeface="Arial" pitchFamily="34" charset="0"/>
-              <a:buChar char="•"/>
-              <a:defRPr sz="2000" kern="1200">
-                <a:solidFill>
-                  <a:schemeClr val="tx1"/>
-                </a:solidFill>
-                <a:latin typeface="+mn-lt"/>
-                <a:ea typeface="+mn-ea"/>
-                <a:cs typeface="+mn-cs"/>
-              </a:defRPr>
-            </a:lvl8pPr>
-            <a:lvl9pPr marL="3886200" indent="-228600" algn="l" defTabSz="914400" rtl="0" eaLnBrk="1" latinLnBrk="1" hangingPunct="1">
-              <a:spcBef>
-                <a:spcPct val="20000"/>
-              </a:spcBef>
-              <a:buFont typeface="Arial" pitchFamily="34" charset="0"/>
-              <a:buChar char="•"/>
-              <a:defRPr sz="2000" kern="1200">
-                <a:solidFill>
-                  <a:schemeClr val="tx1"/>
-                </a:solidFill>
-                <a:latin typeface="+mn-lt"/>
-                <a:ea typeface="+mn-ea"/>
-                <a:cs typeface="+mn-cs"/>
-              </a:defRPr>
-            </a:lvl9pPr>
-          </a:lstStyle>
-          <a:p>
-            <a:pPr lvl="1"/>
-            <a:r>
-              <a:rPr lang="ko-KR" altLang="en-US" dirty="0" smtClean="0"/>
-              <a:t>문항별 관리기능</a:t>
-            </a:r>
-            <a:endParaRPr lang="en-US" altLang="ko-KR" dirty="0" smtClean="0"/>
-          </a:p>
-          <a:p>
-            <a:pPr lvl="2"/>
-            <a:r>
-              <a:rPr lang="ko-KR" altLang="en-US" dirty="0" smtClean="0"/>
-              <a:t>학과</a:t>
-            </a:r>
-            <a:r>
-              <a:rPr lang="en-US" altLang="ko-KR" dirty="0" smtClean="0"/>
-              <a:t>,</a:t>
-            </a:r>
-            <a:r>
-              <a:rPr lang="ko-KR" altLang="en-US" dirty="0" smtClean="0"/>
-              <a:t>주야구분</a:t>
-            </a:r>
-            <a:r>
-              <a:rPr lang="en-US" altLang="ko-KR" dirty="0" smtClean="0"/>
-              <a:t>,</a:t>
-            </a:r>
-            <a:r>
-              <a:rPr lang="ko-KR" altLang="en-US" dirty="0" smtClean="0"/>
-              <a:t>학적</a:t>
-            </a:r>
-            <a:r>
-              <a:rPr lang="en-US" altLang="ko-KR" dirty="0" smtClean="0"/>
-              <a:t>,</a:t>
-            </a:r>
-            <a:r>
-              <a:rPr lang="ko-KR" altLang="en-US" dirty="0" smtClean="0"/>
-              <a:t>병역사항은 변동이 있을 수 있어</a:t>
-            </a:r>
-            <a:endParaRPr lang="en-US" altLang="ko-KR" dirty="0"/>
-          </a:p>
-          <a:p>
-            <a:pPr marL="914400" lvl="2" indent="0">
-              <a:buNone/>
-            </a:pPr>
-            <a:r>
-              <a:rPr lang="en-US" altLang="ko-KR" dirty="0" smtClean="0"/>
-              <a:t>	</a:t>
-            </a:r>
-            <a:r>
-              <a:rPr lang="ko-KR" altLang="en-US" dirty="0" smtClean="0"/>
-              <a:t>개별로 코드 관리기능 구현</a:t>
-            </a:r>
-            <a:endParaRPr lang="en-US" altLang="ko-KR" dirty="0" smtClean="0"/>
-          </a:p>
-          <a:p>
-            <a:pPr marL="914400" lvl="2" indent="0">
-              <a:buFont typeface="Wingdings 3" pitchFamily="18" charset="2"/>
-              <a:buNone/>
-            </a:pPr>
-            <a:endParaRPr lang="en-US" altLang="ko-KR" dirty="0" smtClean="0"/>
-          </a:p>
-        </p:txBody>
-      </p:sp>
-      <p:sp>
-        <p:nvSpPr>
-          <p:cNvPr id="5" name="내용 개체 틀 2"/>
-          <p:cNvSpPr txBox="1">
-            <a:spLocks/>
-          </p:cNvSpPr>
-          <p:nvPr/>
-        </p:nvSpPr>
-        <p:spPr bwMode="gray">
-          <a:xfrm>
-            <a:off x="609600" y="4126583"/>
-            <a:ext cx="10972800" cy="692553"/>
-          </a:xfrm>
-          <a:prstGeom prst="rect">
-            <a:avLst/>
-          </a:prstGeom>
-        </p:spPr>
-        <p:txBody>
-          <a:bodyPr vert="horz" lIns="91440" tIns="45720" rIns="91440" bIns="45720" rtlCol="0">
-            <a:normAutofit fontScale="85000" lnSpcReduction="20000"/>
-          </a:bodyPr>
-          <a:lstStyle>
-            <a:lvl1pPr marL="342900" indent="-342900" algn="l" defTabSz="914400" rtl="0" eaLnBrk="1" latinLnBrk="1" hangingPunct="1">
-              <a:spcBef>
-                <a:spcPct val="20000"/>
-              </a:spcBef>
-              <a:buClr>
-                <a:schemeClr val="tx2"/>
-              </a:buClr>
-              <a:buSzPct val="90000"/>
-              <a:buFont typeface="Wingdings 3" pitchFamily="18" charset="2"/>
-              <a:buChar char=""/>
-              <a:defRPr sz="3200" kern="1200">
-                <a:solidFill>
-                  <a:schemeClr val="tx1"/>
-                </a:solidFill>
-                <a:latin typeface="+mn-lt"/>
-                <a:ea typeface="+mn-ea"/>
-                <a:cs typeface="+mn-cs"/>
-              </a:defRPr>
-            </a:lvl1pPr>
-            <a:lvl2pPr marL="742950" indent="-285750" algn="l" defTabSz="914400" rtl="0" eaLnBrk="1" latinLnBrk="1" hangingPunct="1">
-              <a:spcBef>
-                <a:spcPct val="20000"/>
-              </a:spcBef>
-              <a:buClr>
-                <a:schemeClr val="accent2"/>
-              </a:buClr>
-              <a:buSzPct val="90000"/>
-              <a:buFont typeface="Wingdings 3" pitchFamily="18" charset="2"/>
-              <a:buChar char=""/>
-              <a:defRPr sz="2800" kern="1200">
-                <a:solidFill>
-                  <a:schemeClr val="tx1"/>
-                </a:solidFill>
-                <a:latin typeface="+mn-lt"/>
-                <a:ea typeface="+mn-ea"/>
-                <a:cs typeface="+mn-cs"/>
-              </a:defRPr>
-            </a:lvl2pPr>
-            <a:lvl3pPr marL="1143000" indent="-228600" algn="l" defTabSz="914400" rtl="0" eaLnBrk="1" latinLnBrk="1" hangingPunct="1">
-              <a:spcBef>
-                <a:spcPct val="20000"/>
-              </a:spcBef>
-              <a:buClr>
-                <a:schemeClr val="accent3"/>
-              </a:buClr>
-              <a:buSzPct val="90000"/>
-              <a:buFont typeface="Wingdings 3" pitchFamily="18" charset="2"/>
-              <a:buChar char=""/>
-              <a:defRPr sz="2400" kern="1200">
-                <a:solidFill>
-                  <a:schemeClr val="tx1"/>
-                </a:solidFill>
-                <a:latin typeface="+mn-lt"/>
-                <a:ea typeface="+mn-ea"/>
-                <a:cs typeface="+mn-cs"/>
-              </a:defRPr>
-            </a:lvl3pPr>
-            <a:lvl4pPr marL="1600200" indent="-228600" algn="l" defTabSz="914400" rtl="0" eaLnBrk="1" latinLnBrk="1" hangingPunct="1">
-              <a:spcBef>
-                <a:spcPct val="20000"/>
-              </a:spcBef>
-              <a:buClr>
-                <a:schemeClr val="accent4"/>
-              </a:buClr>
-              <a:buSzPct val="90000"/>
-              <a:buFont typeface="Wingdings 3" pitchFamily="18" charset="2"/>
-              <a:buChar char=""/>
-              <a:defRPr sz="2000" kern="1200">
-                <a:solidFill>
-                  <a:schemeClr val="tx1"/>
-                </a:solidFill>
-                <a:latin typeface="+mn-lt"/>
-                <a:ea typeface="+mn-ea"/>
-                <a:cs typeface="+mn-cs"/>
-              </a:defRPr>
-            </a:lvl4pPr>
-            <a:lvl5pPr marL="2057400" indent="-228600" algn="l" defTabSz="914400" rtl="0" eaLnBrk="1" latinLnBrk="1" hangingPunct="1">
-              <a:spcBef>
-                <a:spcPct val="20000"/>
-              </a:spcBef>
-              <a:buClr>
-                <a:schemeClr val="accent5"/>
-              </a:buClr>
-              <a:buSzPct val="90000"/>
-              <a:buFont typeface="Wingdings 3" pitchFamily="18" charset="2"/>
-              <a:buChar char=""/>
-              <a:defRPr sz="2000" kern="1200">
-                <a:solidFill>
-                  <a:schemeClr val="tx1"/>
-                </a:solidFill>
-                <a:latin typeface="+mn-lt"/>
-                <a:ea typeface="+mn-ea"/>
-                <a:cs typeface="+mn-cs"/>
-              </a:defRPr>
-            </a:lvl5pPr>
-            <a:lvl6pPr marL="2514600" indent="-228600" algn="l" defTabSz="914400" rtl="0" eaLnBrk="1" latinLnBrk="1" hangingPunct="1">
-              <a:spcBef>
-                <a:spcPct val="20000"/>
-              </a:spcBef>
-              <a:buFont typeface="Arial" pitchFamily="34" charset="0"/>
-              <a:buChar char="•"/>
-              <a:defRPr sz="2000" kern="1200">
-                <a:solidFill>
-                  <a:schemeClr val="tx1"/>
-                </a:solidFill>
-                <a:latin typeface="+mn-lt"/>
-                <a:ea typeface="+mn-ea"/>
-                <a:cs typeface="+mn-cs"/>
-              </a:defRPr>
-            </a:lvl6pPr>
-            <a:lvl7pPr marL="2971800" indent="-228600" algn="l" defTabSz="914400" rtl="0" eaLnBrk="1" latinLnBrk="1" hangingPunct="1">
-              <a:spcBef>
-                <a:spcPct val="20000"/>
-              </a:spcBef>
-              <a:buFont typeface="Arial" pitchFamily="34" charset="0"/>
-              <a:buChar char="•"/>
-              <a:defRPr sz="2000" kern="1200">
-                <a:solidFill>
-                  <a:schemeClr val="tx1"/>
-                </a:solidFill>
-                <a:latin typeface="+mn-lt"/>
-                <a:ea typeface="+mn-ea"/>
-                <a:cs typeface="+mn-cs"/>
-              </a:defRPr>
-            </a:lvl7pPr>
-            <a:lvl8pPr marL="3429000" indent="-228600" algn="l" defTabSz="914400" rtl="0" eaLnBrk="1" latinLnBrk="1" hangingPunct="1">
-              <a:spcBef>
-                <a:spcPct val="20000"/>
-              </a:spcBef>
-              <a:buFont typeface="Arial" pitchFamily="34" charset="0"/>
-              <a:buChar char="•"/>
-              <a:defRPr sz="2000" kern="1200">
-                <a:solidFill>
-                  <a:schemeClr val="tx1"/>
-                </a:solidFill>
-                <a:latin typeface="+mn-lt"/>
-                <a:ea typeface="+mn-ea"/>
-                <a:cs typeface="+mn-cs"/>
-              </a:defRPr>
-            </a:lvl8pPr>
-            <a:lvl9pPr marL="3886200" indent="-228600" algn="l" defTabSz="914400" rtl="0" eaLnBrk="1" latinLnBrk="1" hangingPunct="1">
-              <a:spcBef>
-                <a:spcPct val="20000"/>
-              </a:spcBef>
-              <a:buFont typeface="Arial" pitchFamily="34" charset="0"/>
-              <a:buChar char="•"/>
-              <a:defRPr sz="2000" kern="1200">
-                <a:solidFill>
-                  <a:schemeClr val="tx1"/>
-                </a:solidFill>
-                <a:latin typeface="+mn-lt"/>
-                <a:ea typeface="+mn-ea"/>
-                <a:cs typeface="+mn-cs"/>
-              </a:defRPr>
-            </a:lvl9pPr>
-          </a:lstStyle>
-          <a:p>
-            <a:pPr lvl="1"/>
-            <a:r>
-              <a:rPr lang="ko-KR" altLang="en-US" dirty="0" smtClean="0"/>
-              <a:t>기본기능</a:t>
-            </a:r>
-            <a:endParaRPr lang="en-US" altLang="ko-KR" dirty="0" smtClean="0"/>
-          </a:p>
-          <a:p>
-            <a:pPr lvl="2"/>
-            <a:r>
-              <a:rPr lang="ko-KR" altLang="en-US" dirty="0" smtClean="0"/>
-              <a:t>학생 추가</a:t>
-            </a:r>
-            <a:r>
-              <a:rPr lang="en-US" altLang="ko-KR" dirty="0" smtClean="0"/>
-              <a:t>/</a:t>
-            </a:r>
-            <a:r>
-              <a:rPr lang="ko-KR" altLang="en-US" dirty="0" smtClean="0"/>
-              <a:t>수정</a:t>
-            </a:r>
-            <a:r>
-              <a:rPr lang="en-US" altLang="ko-KR" dirty="0" smtClean="0"/>
-              <a:t>/</a:t>
-            </a:r>
-            <a:r>
-              <a:rPr lang="ko-KR" altLang="en-US" dirty="0" smtClean="0"/>
-              <a:t>삭제 및 성적 수정 가능</a:t>
-            </a:r>
-            <a:endParaRPr lang="en-US" altLang="ko-KR" dirty="0" smtClean="0"/>
-          </a:p>
-        </p:txBody>
-      </p:sp>
-    </p:spTree>
-    <p:extLst>
-      <p:ext uri="{BB962C8B-B14F-4D97-AF65-F5344CB8AC3E}">
-        <p14:creationId xmlns:p14="http://schemas.microsoft.com/office/powerpoint/2010/main" val="2831173371"/>
-      </p:ext>
-    </p:extLst>
-  </p:cSld>
-  <p:clrMapOvr>
-    <a:masterClrMapping/>
-  </p:clrMapOvr>
-  <p:timing>
-    <p:tnLst>
-      <p:par>
-        <p:cTn id="1" dur="indefinite" restart="never" nodeType="tmRoot"/>
-      </p:par>
-    </p:tnLst>
-  </p:timing>
-</p:sld>
-</file>
-
-<file path=ppt/slides/slide2.xml><?xml version="1.0" encoding="utf-8"?>
-<p:sld xmlns:a="http://schemas.openxmlformats.org/drawingml/2006/main" xmlns:r="http://schemas.openxmlformats.org/officeDocument/2006/relationships" xmlns:p="http://schemas.openxmlformats.org/presentationml/2006/main">
-  <p:cSld>
-    <p:spTree>
-      <p:nvGrpSpPr>
-        <p:cNvPr id="1" name=""/>
-        <p:cNvGrpSpPr/>
-        <p:nvPr/>
-      </p:nvGrpSpPr>
-      <p:grpSpPr>
-        <a:xfrm>
-          <a:off x="0" y="0"/>
-          <a:ext cx="0" cy="0"/>
-          <a:chOff x="0" y="0"/>
-          <a:chExt cx="0" cy="0"/>
-        </a:xfrm>
-      </p:grpSpPr>
-      <p:sp>
-        <p:nvSpPr>
-          <p:cNvPr id="2" name="제목 1"/>
-          <p:cNvSpPr>
-            <a:spLocks noGrp="1"/>
-          </p:cNvSpPr>
-          <p:nvPr>
-            <p:ph type="title"/>
-          </p:nvPr>
-        </p:nvSpPr>
-        <p:spPr/>
-        <p:txBody>
-          <a:bodyPr/>
-          <a:lstStyle/>
-          <a:p>
-            <a:r>
-              <a:rPr lang="ko-KR" altLang="en-US" dirty="0" smtClean="0"/>
-              <a:t>목차</a:t>
-            </a:r>
-            <a:endParaRPr lang="ko-KR" altLang="en-US" dirty="0"/>
-          </a:p>
-        </p:txBody>
-      </p:sp>
-      <p:sp>
-        <p:nvSpPr>
-          <p:cNvPr id="5" name="내용 개체 틀 4"/>
-          <p:cNvSpPr>
-            <a:spLocks noGrp="1"/>
-          </p:cNvSpPr>
-          <p:nvPr>
-            <p:ph idx="1"/>
-          </p:nvPr>
-        </p:nvSpPr>
-        <p:spPr/>
-        <p:txBody>
-          <a:bodyPr>
-            <a:normAutofit/>
-          </a:bodyPr>
-          <a:lstStyle/>
-          <a:p>
-            <a:r>
-              <a:rPr lang="ko-KR" altLang="en-US" dirty="0" smtClean="0"/>
-              <a:t>개발 프로그램 정의</a:t>
-            </a:r>
-            <a:endParaRPr lang="en-US" altLang="ko-KR" dirty="0" smtClean="0"/>
-          </a:p>
-          <a:p>
-            <a:r>
-              <a:rPr lang="ko-KR" altLang="en-US" dirty="0"/>
-              <a:t>프로그램 </a:t>
-            </a:r>
-            <a:r>
-              <a:rPr lang="ko-KR" altLang="en-US" dirty="0" smtClean="0"/>
-              <a:t>구성도</a:t>
-            </a:r>
-            <a:endParaRPr lang="en-US" altLang="ko-KR" dirty="0" smtClean="0"/>
-          </a:p>
-          <a:p>
-            <a:r>
-              <a:rPr lang="ko-KR" altLang="en-US" dirty="0" smtClean="0"/>
-              <a:t>프로그램 용도</a:t>
-            </a:r>
-            <a:endParaRPr lang="en-US" altLang="ko-KR" dirty="0" smtClean="0"/>
-          </a:p>
-          <a:p>
-            <a:r>
-              <a:rPr lang="ko-KR" altLang="en-US" dirty="0" smtClean="0"/>
-              <a:t>화면 구성</a:t>
-            </a:r>
-            <a:endParaRPr lang="en-US" altLang="ko-KR" dirty="0" smtClean="0"/>
-          </a:p>
-          <a:p>
-            <a:r>
-              <a:rPr lang="ko-KR" altLang="en-US" dirty="0" smtClean="0"/>
-              <a:t>구현기능</a:t>
-            </a:r>
-            <a:endParaRPr lang="en-US" altLang="ko-KR" dirty="0" smtClean="0"/>
-          </a:p>
-        </p:txBody>
-      </p:sp>
-    </p:spTree>
-    <p:extLst>
-      <p:ext uri="{BB962C8B-B14F-4D97-AF65-F5344CB8AC3E}">
-        <p14:creationId xmlns:p14="http://schemas.microsoft.com/office/powerpoint/2010/main" val="3369448190"/>
-      </p:ext>
-    </p:extLst>
-  </p:cSld>
-  <p:clrMapOvr>
-    <a:masterClrMapping/>
-  </p:clrMapOvr>
-  <p:timing>
-    <p:tnLst>
-      <p:par>
-        <p:cTn id="1" dur="indefinite" restart="never" nodeType="tmRoot"/>
-      </p:par>
-    </p:tnLst>
-  </p:timing>
-</p:sld>
-</file>
-
-<file path=ppt/slides/slide3.xml><?xml version="1.0" encoding="utf-8"?>
-<p:sld xmlns:a="http://schemas.openxmlformats.org/drawingml/2006/main" xmlns:r="http://schemas.openxmlformats.org/officeDocument/2006/relationships" xmlns:p="http://schemas.openxmlformats.org/presentationml/2006/main">
-  <p:cSld>
-    <p:spTree>
-      <p:nvGrpSpPr>
-        <p:cNvPr id="1" name=""/>
-        <p:cNvGrpSpPr/>
-        <p:nvPr/>
-      </p:nvGrpSpPr>
-      <p:grpSpPr>
-        <a:xfrm>
-          <a:off x="0" y="0"/>
-          <a:ext cx="0" cy="0"/>
-          <a:chOff x="0" y="0"/>
-          <a:chExt cx="0" cy="0"/>
-        </a:xfrm>
-      </p:grpSpPr>
-      <p:sp>
-        <p:nvSpPr>
-          <p:cNvPr id="2" name="제목 1"/>
-          <p:cNvSpPr>
-            <a:spLocks noGrp="1"/>
-          </p:cNvSpPr>
-          <p:nvPr>
-            <p:ph type="title"/>
-          </p:nvPr>
-        </p:nvSpPr>
-        <p:spPr/>
-        <p:txBody>
-          <a:bodyPr/>
-          <a:lstStyle/>
-          <a:p>
-            <a:r>
-              <a:rPr lang="ko-KR" altLang="en-US" dirty="0" smtClean="0"/>
-              <a:t>개발 프로그램 정의</a:t>
-            </a:r>
-            <a:endParaRPr lang="ko-KR" altLang="en-US" dirty="0"/>
-          </a:p>
-        </p:txBody>
-      </p:sp>
-      <p:sp>
-        <p:nvSpPr>
-          <p:cNvPr id="3" name="내용 개체 틀 2"/>
-          <p:cNvSpPr>
-            <a:spLocks noGrp="1"/>
-          </p:cNvSpPr>
-          <p:nvPr>
-            <p:ph idx="1"/>
-          </p:nvPr>
-        </p:nvSpPr>
-        <p:spPr/>
-        <p:txBody>
-          <a:bodyPr/>
-          <a:lstStyle/>
-          <a:p>
-            <a:r>
-              <a:rPr lang="ko-KR" altLang="en-US" dirty="0" smtClean="0"/>
-              <a:t>학생관리 프로그램으로</a:t>
-            </a:r>
-            <a:endParaRPr lang="en-US" altLang="ko-KR" dirty="0" smtClean="0"/>
-          </a:p>
-          <a:p>
-            <a:pPr marL="0" indent="0">
-              <a:buNone/>
-            </a:pPr>
-            <a:r>
-              <a:rPr lang="en-US" altLang="ko-KR" dirty="0" smtClean="0"/>
-              <a:t>	</a:t>
-            </a:r>
-            <a:r>
-              <a:rPr lang="ko-KR" altLang="en-US" dirty="0" smtClean="0"/>
-              <a:t>학생들의 정보 및 성적을 관리 하는 프로그램</a:t>
-            </a:r>
-            <a:endParaRPr lang="en-US" altLang="ko-KR" dirty="0" smtClean="0"/>
-          </a:p>
-          <a:p>
-            <a:pPr marL="0" indent="0">
-              <a:buNone/>
-            </a:pPr>
-            <a:r>
-              <a:rPr lang="en-US" altLang="ko-KR" dirty="0"/>
-              <a:t>	</a:t>
-            </a:r>
-            <a:r>
-              <a:rPr lang="ko-KR" altLang="en-US" dirty="0" smtClean="0"/>
-              <a:t>학생정보 검색 및 </a:t>
-            </a:r>
-            <a:r>
-              <a:rPr lang="ko-KR" altLang="en-US" dirty="0" err="1" smtClean="0"/>
-              <a:t>상새정보</a:t>
-            </a:r>
-            <a:r>
-              <a:rPr lang="en-US" altLang="ko-KR" dirty="0" smtClean="0"/>
-              <a:t>(</a:t>
-            </a:r>
-            <a:r>
-              <a:rPr lang="ko-KR" altLang="en-US" dirty="0" smtClean="0"/>
-              <a:t>이름</a:t>
-            </a:r>
-            <a:r>
-              <a:rPr lang="en-US" altLang="ko-KR" dirty="0" smtClean="0"/>
-              <a:t>,</a:t>
-            </a:r>
-            <a:r>
-              <a:rPr lang="ko-KR" altLang="en-US" dirty="0" smtClean="0"/>
-              <a:t>학번</a:t>
-            </a:r>
-            <a:r>
-              <a:rPr lang="en-US" altLang="ko-KR" dirty="0" smtClean="0"/>
-              <a:t>,</a:t>
-            </a:r>
-            <a:r>
-              <a:rPr lang="ko-KR" altLang="en-US" dirty="0" smtClean="0"/>
-              <a:t>병역사항 등</a:t>
-            </a:r>
-            <a:r>
-              <a:rPr lang="en-US" altLang="ko-KR" dirty="0" smtClean="0"/>
-              <a:t>)</a:t>
-            </a:r>
-          </a:p>
-          <a:p>
-            <a:pPr marL="0" indent="0">
-              <a:buNone/>
-            </a:pPr>
-            <a:r>
-              <a:rPr lang="en-US" altLang="ko-KR" dirty="0"/>
-              <a:t>	</a:t>
-            </a:r>
-            <a:r>
-              <a:rPr lang="ko-KR" altLang="en-US" dirty="0" smtClean="0"/>
-              <a:t>관리가 가능 하며</a:t>
-            </a:r>
-            <a:endParaRPr lang="en-US" altLang="ko-KR" dirty="0" smtClean="0"/>
-          </a:p>
-          <a:p>
-            <a:pPr marL="0" indent="0">
-              <a:buNone/>
-            </a:pPr>
-            <a:r>
-              <a:rPr lang="en-US" altLang="ko-KR" dirty="0"/>
-              <a:t>	</a:t>
-            </a:r>
-            <a:r>
-              <a:rPr lang="ko-KR" altLang="en-US" dirty="0" smtClean="0"/>
-              <a:t>성적 등급별 검색 및 수정 삭제 관리가 가능함</a:t>
-            </a:r>
-            <a:r>
-              <a:rPr lang="en-US" altLang="ko-KR" dirty="0" smtClean="0"/>
-              <a:t>.</a:t>
-            </a:r>
-          </a:p>
-        </p:txBody>
-      </p:sp>
-    </p:spTree>
-    <p:extLst>
-      <p:ext uri="{BB962C8B-B14F-4D97-AF65-F5344CB8AC3E}">
-        <p14:creationId xmlns:p14="http://schemas.microsoft.com/office/powerpoint/2010/main" val="2344511587"/>
-      </p:ext>
-    </p:extLst>
-  </p:cSld>
-  <p:clrMapOvr>
-    <a:masterClrMapping/>
-  </p:clrMapOvr>
-  <p:timing>
-    <p:tnLst>
-      <p:par>
-        <p:cTn id="1" dur="indefinite" restart="never" nodeType="tmRoot"/>
-      </p:par>
-    </p:tnLst>
-  </p:timing>
-</p:sld>
-</file>
-
-<file path=ppt/slides/slide4.xml><?xml version="1.0" encoding="utf-8"?>
-<p:sld xmlns:a="http://schemas.openxmlformats.org/drawingml/2006/main" xmlns:r="http://schemas.openxmlformats.org/officeDocument/2006/relationships" xmlns:p="http://schemas.openxmlformats.org/presentationml/2006/main">
-  <p:cSld>
-    <p:spTree>
-      <p:nvGrpSpPr>
-        <p:cNvPr id="1" name=""/>
-        <p:cNvGrpSpPr/>
-        <p:nvPr/>
-      </p:nvGrpSpPr>
-      <p:grpSpPr>
-        <a:xfrm>
-          <a:off x="0" y="0"/>
-          <a:ext cx="0" cy="0"/>
-          <a:chOff x="0" y="0"/>
-          <a:chExt cx="0" cy="0"/>
-        </a:xfrm>
-      </p:grpSpPr>
-      <p:sp>
-        <p:nvSpPr>
-          <p:cNvPr id="2" name="제목 1"/>
-          <p:cNvSpPr>
-            <a:spLocks noGrp="1"/>
-          </p:cNvSpPr>
-          <p:nvPr>
-            <p:ph type="title"/>
-          </p:nvPr>
-        </p:nvSpPr>
-        <p:spPr>
-          <a:xfrm>
-            <a:off x="838200" y="365125"/>
-            <a:ext cx="10515600" cy="433945"/>
-          </a:xfrm>
-        </p:spPr>
-        <p:txBody>
-          <a:bodyPr>
-            <a:normAutofit fontScale="90000"/>
-          </a:bodyPr>
-          <a:lstStyle/>
-          <a:p>
-            <a:r>
-              <a:rPr lang="ko-KR" altLang="en-US" sz="2400" dirty="0"/>
-              <a:t>프로그램 구성도 </a:t>
-            </a:r>
-            <a:r>
-              <a:rPr lang="en-US" altLang="ko-KR" sz="2400" dirty="0" smtClean="0"/>
-              <a:t>(ERD </a:t>
-            </a:r>
-            <a:r>
-              <a:rPr lang="ko-KR" altLang="en-US" sz="2400" dirty="0" smtClean="0"/>
-              <a:t>다이어그램</a:t>
-            </a:r>
-            <a:r>
-              <a:rPr lang="en-US" altLang="ko-KR" sz="2400" dirty="0" smtClean="0"/>
-              <a:t>)</a:t>
-            </a:r>
-            <a:endParaRPr lang="ko-KR" altLang="en-US" sz="2400" dirty="0"/>
-          </a:p>
-        </p:txBody>
-      </p:sp>
-      <p:sp>
-        <p:nvSpPr>
-          <p:cNvPr id="3" name="내용 개체 틀 2"/>
-          <p:cNvSpPr>
-            <a:spLocks noGrp="1"/>
-          </p:cNvSpPr>
-          <p:nvPr>
-            <p:ph idx="1"/>
-          </p:nvPr>
-        </p:nvSpPr>
-        <p:spPr/>
-        <p:txBody>
-          <a:bodyPr/>
-          <a:lstStyle/>
-          <a:p>
-            <a:endParaRPr lang="ko-KR" altLang="en-US"/>
-          </a:p>
-        </p:txBody>
-      </p:sp>
-      <p:pic>
-        <p:nvPicPr>
-          <p:cNvPr id="4" name="그림 3"/>
-          <p:cNvPicPr>
-            <a:picLocks noChangeAspect="1"/>
-          </p:cNvPicPr>
-          <p:nvPr/>
-        </p:nvPicPr>
-        <p:blipFill>
-          <a:blip r:embed="rId2"/>
-          <a:stretch>
-            <a:fillRect/>
-          </a:stretch>
-        </p:blipFill>
-        <p:spPr>
-          <a:xfrm>
-            <a:off x="323044" y="1144210"/>
-            <a:ext cx="11545911" cy="4982270"/>
-          </a:xfrm>
-          <a:prstGeom prst="rect">
-            <a:avLst/>
-          </a:prstGeom>
-        </p:spPr>
-      </p:pic>
-      <p:pic>
-        <p:nvPicPr>
-          <p:cNvPr id="5" name="그림 4"/>
-          <p:cNvPicPr>
-            <a:picLocks noChangeAspect="1"/>
-          </p:cNvPicPr>
-          <p:nvPr/>
-        </p:nvPicPr>
-        <p:blipFill>
-          <a:blip r:embed="rId3"/>
-          <a:stretch>
-            <a:fillRect/>
-          </a:stretch>
-        </p:blipFill>
-        <p:spPr>
-          <a:xfrm>
-            <a:off x="7916075" y="4754689"/>
-            <a:ext cx="3296110" cy="1371791"/>
-          </a:xfrm>
-          <a:prstGeom prst="rect">
-            <a:avLst/>
-          </a:prstGeom>
-        </p:spPr>
-      </p:pic>
-    </p:spTree>
-    <p:extLst>
-      <p:ext uri="{BB962C8B-B14F-4D97-AF65-F5344CB8AC3E}">
-        <p14:creationId xmlns:p14="http://schemas.microsoft.com/office/powerpoint/2010/main" val="419757014"/>
-      </p:ext>
-    </p:extLst>
-  </p:cSld>
-  <p:clrMapOvr>
-    <a:masterClrMapping/>
-  </p:clrMapOvr>
-  <p:timing>
-    <p:tnLst>
-      <p:par>
-        <p:cTn id="1" dur="indefinite" restart="never" nodeType="tmRoot"/>
-      </p:par>
-    </p:tnLst>
-  </p:timing>
-</p:sld>
-</file>
-
-<file path=ppt/slides/slide5.xml><?xml version="1.0" encoding="utf-8"?>
-<p:sld xmlns:a="http://schemas.openxmlformats.org/drawingml/2006/main" xmlns:r="http://schemas.openxmlformats.org/officeDocument/2006/relationships" xmlns:p="http://schemas.openxmlformats.org/presentationml/2006/main">
-  <p:cSld>
-    <p:spTree>
-      <p:nvGrpSpPr>
-        <p:cNvPr id="1" name=""/>
-        <p:cNvGrpSpPr/>
-        <p:nvPr/>
-      </p:nvGrpSpPr>
-      <p:grpSpPr>
-        <a:xfrm>
-          <a:off x="0" y="0"/>
-          <a:ext cx="0" cy="0"/>
-          <a:chOff x="0" y="0"/>
-          <a:chExt cx="0" cy="0"/>
-        </a:xfrm>
-      </p:grpSpPr>
-      <p:sp>
-        <p:nvSpPr>
-          <p:cNvPr id="2" name="제목 1"/>
-          <p:cNvSpPr>
-            <a:spLocks noGrp="1"/>
-          </p:cNvSpPr>
-          <p:nvPr>
-            <p:ph type="title"/>
-          </p:nvPr>
-        </p:nvSpPr>
-        <p:spPr>
-          <a:xfrm>
-            <a:off x="805247" y="428367"/>
-            <a:ext cx="10515600" cy="433945"/>
-          </a:xfrm>
-        </p:spPr>
-        <p:txBody>
-          <a:bodyPr>
-            <a:normAutofit fontScale="90000"/>
-          </a:bodyPr>
-          <a:lstStyle/>
-          <a:p>
-            <a:r>
-              <a:rPr lang="ko-KR" altLang="en-US" sz="2000" dirty="0"/>
-              <a:t>프로그램 </a:t>
-            </a:r>
-            <a:r>
-              <a:rPr lang="ko-KR" altLang="en-US" sz="2000" dirty="0" smtClean="0"/>
-              <a:t>구성도  </a:t>
-            </a:r>
-            <a:r>
-              <a:rPr lang="en-US" altLang="ko-KR" sz="2000" dirty="0" smtClean="0"/>
-              <a:t>(</a:t>
-            </a:r>
-            <a:r>
-              <a:rPr lang="en-US" altLang="ko-KR" sz="2400" dirty="0" smtClean="0"/>
-              <a:t>DTO</a:t>
-            </a:r>
-            <a:r>
-              <a:rPr lang="ko-KR" altLang="en-US" sz="2400" dirty="0" smtClean="0"/>
-              <a:t>다이어그램</a:t>
-            </a:r>
-            <a:r>
-              <a:rPr lang="en-US" altLang="ko-KR" sz="2400" dirty="0" smtClean="0"/>
-              <a:t>)</a:t>
-            </a:r>
-            <a:endParaRPr lang="ko-KR" altLang="en-US" sz="2400" dirty="0"/>
-          </a:p>
-        </p:txBody>
-      </p:sp>
-      <p:pic>
-        <p:nvPicPr>
-          <p:cNvPr id="4" name="내용 개체 틀 3"/>
-          <p:cNvPicPr>
-            <a:picLocks noGrp="1" noChangeAspect="1"/>
-          </p:cNvPicPr>
-          <p:nvPr>
-            <p:ph idx="1"/>
-          </p:nvPr>
-        </p:nvPicPr>
-        <p:blipFill>
-          <a:blip r:embed="rId2">
-            <a:extLst>
-              <a:ext uri="{28A0092B-C50C-407E-A947-70E740481C1C}">
-                <a14:useLocalDpi xmlns:a14="http://schemas.microsoft.com/office/drawing/2010/main" val="0"/>
-              </a:ext>
-            </a:extLst>
-          </a:blip>
-          <a:stretch>
-            <a:fillRect/>
-          </a:stretch>
-        </p:blipFill>
-        <p:spPr>
-          <a:xfrm>
-            <a:off x="1959381" y="1181186"/>
-            <a:ext cx="7993151" cy="4598988"/>
-          </a:xfrm>
-        </p:spPr>
-      </p:pic>
-    </p:spTree>
-    <p:extLst>
-      <p:ext uri="{BB962C8B-B14F-4D97-AF65-F5344CB8AC3E}">
-        <p14:creationId xmlns:p14="http://schemas.microsoft.com/office/powerpoint/2010/main" val="1646522091"/>
-      </p:ext>
-    </p:extLst>
-  </p:cSld>
-  <p:clrMapOvr>
-    <a:masterClrMapping/>
-  </p:clrMapOvr>
-  <p:timing>
-    <p:tnLst>
-      <p:par>
-        <p:cTn id="1" dur="indefinite" restart="never" nodeType="tmRoot"/>
-      </p:par>
-    </p:tnLst>
-  </p:timing>
-</p:sld>
-</file>
-
-<file path=ppt/slides/slide6.xml><?xml version="1.0" encoding="utf-8"?>
-<p:sld xmlns:a="http://schemas.openxmlformats.org/drawingml/2006/main" xmlns:r="http://schemas.openxmlformats.org/officeDocument/2006/relationships" xmlns:p="http://schemas.openxmlformats.org/presentationml/2006/main">
-  <p:cSld>
-    <p:spTree>
-      <p:nvGrpSpPr>
-        <p:cNvPr id="1" name=""/>
-        <p:cNvGrpSpPr/>
-        <p:nvPr/>
-      </p:nvGrpSpPr>
-      <p:grpSpPr>
-        <a:xfrm>
-          <a:off x="0" y="0"/>
-          <a:ext cx="0" cy="0"/>
-          <a:chOff x="0" y="0"/>
-          <a:chExt cx="0" cy="0"/>
-        </a:xfrm>
-      </p:grpSpPr>
-      <p:sp>
-        <p:nvSpPr>
-          <p:cNvPr id="2" name="제목 1"/>
-          <p:cNvSpPr>
-            <a:spLocks noGrp="1"/>
-          </p:cNvSpPr>
-          <p:nvPr>
-            <p:ph type="title"/>
-          </p:nvPr>
-        </p:nvSpPr>
-        <p:spPr>
-          <a:xfrm>
-            <a:off x="838200" y="428368"/>
-            <a:ext cx="10515600" cy="433945"/>
-          </a:xfrm>
-        </p:spPr>
-        <p:txBody>
-          <a:bodyPr>
-            <a:normAutofit fontScale="90000"/>
-          </a:bodyPr>
-          <a:lstStyle/>
-          <a:p>
-            <a:r>
-              <a:rPr lang="ko-KR" altLang="en-US" sz="2000" dirty="0"/>
-              <a:t>프로그램 </a:t>
-            </a:r>
-            <a:r>
-              <a:rPr lang="ko-KR" altLang="en-US" sz="2000" dirty="0" smtClean="0"/>
-              <a:t>구성도  </a:t>
-            </a:r>
-            <a:r>
-              <a:rPr lang="en-US" altLang="ko-KR" sz="2000" dirty="0" smtClean="0"/>
-              <a:t>(DAO</a:t>
-            </a:r>
-            <a:r>
-              <a:rPr lang="ko-KR" altLang="en-US" sz="2400" dirty="0" smtClean="0"/>
-              <a:t>다이어그램</a:t>
-            </a:r>
-            <a:r>
-              <a:rPr lang="en-US" altLang="ko-KR" sz="2400" dirty="0" smtClean="0"/>
-              <a:t>)</a:t>
-            </a:r>
-            <a:endParaRPr lang="ko-KR" altLang="en-US" sz="2400" dirty="0"/>
-          </a:p>
-        </p:txBody>
-      </p:sp>
-      <p:pic>
-        <p:nvPicPr>
-          <p:cNvPr id="5" name="내용 개체 틀 4"/>
-          <p:cNvPicPr>
-            <a:picLocks noGrp="1" noChangeAspect="1"/>
-          </p:cNvPicPr>
-          <p:nvPr>
-            <p:ph idx="1"/>
-          </p:nvPr>
-        </p:nvPicPr>
-        <p:blipFill>
-          <a:blip r:embed="rId2">
-            <a:extLst>
-              <a:ext uri="{28A0092B-C50C-407E-A947-70E740481C1C}">
-                <a14:useLocalDpi xmlns:a14="http://schemas.microsoft.com/office/drawing/2010/main" val="0"/>
-              </a:ext>
-            </a:extLst>
-          </a:blip>
-          <a:stretch>
-            <a:fillRect/>
-          </a:stretch>
-        </p:blipFill>
-        <p:spPr>
-          <a:xfrm>
-            <a:off x="2895228" y="1527175"/>
-            <a:ext cx="6401544" cy="4598988"/>
-          </a:xfrm>
-        </p:spPr>
-      </p:pic>
-    </p:spTree>
-    <p:extLst>
-      <p:ext uri="{BB962C8B-B14F-4D97-AF65-F5344CB8AC3E}">
-        <p14:creationId xmlns:p14="http://schemas.microsoft.com/office/powerpoint/2010/main" val="3397798277"/>
-      </p:ext>
-    </p:extLst>
-  </p:cSld>
-  <p:clrMapOvr>
-    <a:masterClrMapping/>
-  </p:clrMapOvr>
-  <p:timing>
-    <p:tnLst>
-      <p:par>
-        <p:cTn id="1" dur="indefinite" restart="never" nodeType="tmRoot"/>
-      </p:par>
-    </p:tnLst>
-  </p:timing>
-</p:sld>
-</file>
-
-<file path=ppt/slides/slide7.xml><?xml version="1.0" encoding="utf-8"?>
-<p:sld xmlns:a="http://schemas.openxmlformats.org/drawingml/2006/main" xmlns:r="http://schemas.openxmlformats.org/officeDocument/2006/relationships" xmlns:p="http://schemas.openxmlformats.org/presentationml/2006/main">
-  <p:cSld>
-    <p:spTree>
-      <p:nvGrpSpPr>
-        <p:cNvPr id="1" name=""/>
-        <p:cNvGrpSpPr/>
-        <p:nvPr/>
-      </p:nvGrpSpPr>
-      <p:grpSpPr>
-        <a:xfrm>
-          <a:off x="0" y="0"/>
-          <a:ext cx="0" cy="0"/>
-          <a:chOff x="0" y="0"/>
-          <a:chExt cx="0" cy="0"/>
-        </a:xfrm>
-      </p:grpSpPr>
-      <p:sp>
-        <p:nvSpPr>
-          <p:cNvPr id="2" name="제목 1"/>
-          <p:cNvSpPr>
-            <a:spLocks noGrp="1"/>
-          </p:cNvSpPr>
-          <p:nvPr>
-            <p:ph type="title"/>
-          </p:nvPr>
-        </p:nvSpPr>
-        <p:spPr>
-          <a:xfrm>
-            <a:off x="838200" y="365125"/>
-            <a:ext cx="10515600" cy="433945"/>
-          </a:xfrm>
-        </p:spPr>
-        <p:txBody>
-          <a:bodyPr>
-            <a:normAutofit fontScale="90000"/>
-          </a:bodyPr>
-          <a:lstStyle/>
-          <a:p>
-            <a:r>
-              <a:rPr lang="ko-KR" altLang="en-US" sz="2400" dirty="0" smtClean="0"/>
-              <a:t>데이터베이스 테이블 정의서</a:t>
-            </a:r>
-            <a:endParaRPr lang="ko-KR" altLang="en-US" sz="2400" dirty="0"/>
-          </a:p>
-        </p:txBody>
-      </p:sp>
-      <p:pic>
-        <p:nvPicPr>
-          <p:cNvPr id="8" name="내용 개체 틀 7"/>
-          <p:cNvPicPr>
-            <a:picLocks noGrp="1" noChangeAspect="1"/>
-          </p:cNvPicPr>
-          <p:nvPr>
-            <p:ph idx="1"/>
-          </p:nvPr>
-        </p:nvPicPr>
-        <p:blipFill>
-          <a:blip r:embed="rId2"/>
-          <a:stretch>
-            <a:fillRect/>
-          </a:stretch>
-        </p:blipFill>
-        <p:spPr>
-          <a:xfrm>
-            <a:off x="6272149" y="972064"/>
-            <a:ext cx="4964262" cy="3511542"/>
-          </a:xfrm>
-          <a:prstGeom prst="rect">
-            <a:avLst/>
-          </a:prstGeom>
-        </p:spPr>
-      </p:pic>
-      <p:pic>
-        <p:nvPicPr>
-          <p:cNvPr id="7" name="그림 6"/>
-          <p:cNvPicPr>
-            <a:picLocks noChangeAspect="1"/>
-          </p:cNvPicPr>
-          <p:nvPr/>
-        </p:nvPicPr>
-        <p:blipFill>
-          <a:blip r:embed="rId3"/>
-          <a:stretch>
-            <a:fillRect/>
-          </a:stretch>
-        </p:blipFill>
-        <p:spPr>
-          <a:xfrm>
-            <a:off x="676618" y="972064"/>
-            <a:ext cx="5186680" cy="3471163"/>
-          </a:xfrm>
-          <a:prstGeom prst="rect">
-            <a:avLst/>
-          </a:prstGeom>
-        </p:spPr>
-      </p:pic>
-      <p:pic>
-        <p:nvPicPr>
-          <p:cNvPr id="10" name="그림 9"/>
-          <p:cNvPicPr>
-            <a:picLocks noChangeAspect="1"/>
-          </p:cNvPicPr>
-          <p:nvPr/>
-        </p:nvPicPr>
-        <p:blipFill>
-          <a:blip r:embed="rId4"/>
-          <a:stretch>
-            <a:fillRect/>
-          </a:stretch>
-        </p:blipFill>
-        <p:spPr>
-          <a:xfrm>
-            <a:off x="676618" y="4616221"/>
-            <a:ext cx="5186680" cy="854379"/>
-          </a:xfrm>
-          <a:prstGeom prst="rect">
-            <a:avLst/>
-          </a:prstGeom>
-        </p:spPr>
-      </p:pic>
-      <p:pic>
-        <p:nvPicPr>
-          <p:cNvPr id="11" name="그림 10"/>
-          <p:cNvPicPr>
-            <a:picLocks noChangeAspect="1"/>
-          </p:cNvPicPr>
-          <p:nvPr/>
-        </p:nvPicPr>
-        <p:blipFill>
-          <a:blip r:embed="rId5"/>
-          <a:stretch>
-            <a:fillRect/>
-          </a:stretch>
-        </p:blipFill>
-        <p:spPr>
-          <a:xfrm>
-            <a:off x="6272150" y="4616221"/>
-            <a:ext cx="4964261" cy="701028"/>
-          </a:xfrm>
-          <a:prstGeom prst="rect">
-            <a:avLst/>
-          </a:prstGeom>
-        </p:spPr>
-      </p:pic>
-    </p:spTree>
-    <p:extLst>
-      <p:ext uri="{BB962C8B-B14F-4D97-AF65-F5344CB8AC3E}">
-        <p14:creationId xmlns:p14="http://schemas.microsoft.com/office/powerpoint/2010/main" val="1003245407"/>
-      </p:ext>
-    </p:extLst>
-  </p:cSld>
-  <p:clrMapOvr>
-    <a:masterClrMapping/>
-  </p:clrMapOvr>
-  <p:timing>
-    <p:tnLst>
-      <p:par>
-        <p:cTn id="1" dur="indefinite" restart="never" nodeType="tmRoot"/>
-      </p:par>
-    </p:tnLst>
-  </p:timing>
-</p:sld>
-</file>
-
-<file path=ppt/slides/slide8.xml><?xml version="1.0" encoding="utf-8"?>
-<p:sld xmlns:a="http://schemas.openxmlformats.org/drawingml/2006/main" xmlns:r="http://schemas.openxmlformats.org/officeDocument/2006/relationships" xmlns:p="http://schemas.openxmlformats.org/presentationml/2006/main">
-  <p:cSld>
-    <p:spTree>
-      <p:nvGrpSpPr>
-        <p:cNvPr id="1" name=""/>
-        <p:cNvGrpSpPr/>
-        <p:nvPr/>
-      </p:nvGrpSpPr>
-      <p:grpSpPr>
-        <a:xfrm>
-          <a:off x="0" y="0"/>
-          <a:ext cx="0" cy="0"/>
-          <a:chOff x="0" y="0"/>
-          <a:chExt cx="0" cy="0"/>
-        </a:xfrm>
-      </p:grpSpPr>
-      <p:sp>
-        <p:nvSpPr>
-          <p:cNvPr id="2" name="제목 1"/>
-          <p:cNvSpPr>
-            <a:spLocks noGrp="1"/>
-          </p:cNvSpPr>
-          <p:nvPr>
-            <p:ph type="title"/>
-          </p:nvPr>
-        </p:nvSpPr>
-        <p:spPr/>
-        <p:txBody>
-          <a:bodyPr/>
-          <a:lstStyle/>
-          <a:p>
-            <a:r>
-              <a:rPr lang="ko-KR" altLang="en-US" dirty="0" smtClean="0"/>
               <a:t>프로그램 용도</a:t>
             </a:r>
             <a:r>
@@ -12764,7 +10935,7 @@
       </p:sp>
       <p:pic>
         <p:nvPicPr>
-          <p:cNvPr id="3" name="그림 2"/>
+          <p:cNvPr id="5" name="그림 4"/>
           <p:cNvPicPr>
             <a:picLocks noChangeAspect="1"/>
           </p:cNvPicPr>
@@ -12778,8 +10949,8 @@
         </p:blipFill>
         <p:spPr>
           <a:xfrm>
-            <a:off x="2575050" y="1808214"/>
-            <a:ext cx="6201640" cy="3562847"/>
+            <a:off x="1610860" y="1787665"/>
+            <a:ext cx="8802328" cy="3096057"/>
           </a:xfrm>
           <a:prstGeom prst="rect">
             <a:avLst/>
@@ -12806,7 +10977,7 @@
 </p:sld>
 </file>
 
-<file path=ppt/slides/slide9.xml><?xml version="1.0" encoding="utf-8"?>
+<file path=ppt/slides/slide12.xml><?xml version="1.0" encoding="utf-8"?>
 <p:sld xmlns:a="http://schemas.openxmlformats.org/drawingml/2006/main" xmlns:r="http://schemas.openxmlformats.org/officeDocument/2006/relationships" xmlns:p="http://schemas.openxmlformats.org/presentationml/2006/main">
   <p:cSld>
     <p:spTree>
@@ -13894,6 +12065,3080 @@
 </p:sld>
 </file>
 
+<file path=ppt/slides/slide13.xml><?xml version="1.0" encoding="utf-8"?>
+<p:sld xmlns:a="http://schemas.openxmlformats.org/drawingml/2006/main" xmlns:r="http://schemas.openxmlformats.org/officeDocument/2006/relationships" xmlns:p="http://schemas.openxmlformats.org/presentationml/2006/main">
+  <p:cSld>
+    <p:spTree>
+      <p:nvGrpSpPr>
+        <p:cNvPr id="1" name=""/>
+        <p:cNvGrpSpPr/>
+        <p:nvPr/>
+      </p:nvGrpSpPr>
+      <p:grpSpPr>
+        <a:xfrm>
+          <a:off x="0" y="0"/>
+          <a:ext cx="0" cy="0"/>
+          <a:chOff x="0" y="0"/>
+          <a:chExt cx="0" cy="0"/>
+        </a:xfrm>
+      </p:grpSpPr>
+      <p:pic>
+        <p:nvPicPr>
+          <p:cNvPr id="2" name="그림 1"/>
+          <p:cNvPicPr>
+            <a:picLocks noChangeAspect="1"/>
+          </p:cNvPicPr>
+          <p:nvPr/>
+        </p:nvPicPr>
+        <p:blipFill>
+          <a:blip r:embed="rId2"/>
+          <a:stretch>
+            <a:fillRect/>
+          </a:stretch>
+        </p:blipFill>
+        <p:spPr>
+          <a:xfrm>
+            <a:off x="1929954" y="1268963"/>
+            <a:ext cx="8613638" cy="4879910"/>
+          </a:xfrm>
+          <a:prstGeom prst="rect">
+            <a:avLst/>
+          </a:prstGeom>
+        </p:spPr>
+      </p:pic>
+      <p:sp>
+        <p:nvSpPr>
+          <p:cNvPr id="5" name="제목 1"/>
+          <p:cNvSpPr>
+            <a:spLocks noGrp="1"/>
+          </p:cNvSpPr>
+          <p:nvPr>
+            <p:ph type="title"/>
+          </p:nvPr>
+        </p:nvSpPr>
+        <p:spPr>
+          <a:xfrm>
+            <a:off x="2133600" y="109728"/>
+            <a:ext cx="7924800" cy="788196"/>
+          </a:xfrm>
+        </p:spPr>
+        <p:txBody>
+          <a:bodyPr>
+            <a:normAutofit/>
+          </a:bodyPr>
+          <a:lstStyle/>
+          <a:p>
+            <a:r>
+              <a:rPr lang="ko-KR" altLang="en-US" sz="2800" dirty="0" smtClean="0"/>
+              <a:t>화면구성</a:t>
+            </a:r>
+            <a:r>
+              <a:rPr lang="en-US" altLang="ko-KR" sz="2800" dirty="0" smtClean="0"/>
+              <a:t>(</a:t>
+            </a:r>
+            <a:r>
+              <a:rPr lang="ko-KR" altLang="en-US" sz="2800" dirty="0" smtClean="0"/>
+              <a:t>성적관리</a:t>
+            </a:r>
+            <a:r>
+              <a:rPr lang="en-US" altLang="ko-KR" sz="2800" dirty="0" smtClean="0"/>
+              <a:t>)</a:t>
+            </a:r>
+            <a:endParaRPr lang="ko-KR" altLang="en-US" sz="2800" dirty="0"/>
+          </a:p>
+        </p:txBody>
+      </p:sp>
+      <p:sp>
+        <p:nvSpPr>
+          <p:cNvPr id="8" name="모서리가 둥근 직사각형 7"/>
+          <p:cNvSpPr/>
+          <p:nvPr/>
+        </p:nvSpPr>
+        <p:spPr>
+          <a:xfrm>
+            <a:off x="3097763" y="1614196"/>
+            <a:ext cx="6512768" cy="419877"/>
+          </a:xfrm>
+          <a:prstGeom prst="roundRect">
+            <a:avLst/>
+          </a:prstGeom>
+          <a:noFill/>
+          <a:ln>
+            <a:solidFill>
+              <a:schemeClr val="accent1">
+                <a:shade val="50000"/>
+              </a:schemeClr>
+            </a:solidFill>
+          </a:ln>
+        </p:spPr>
+        <p:style>
+          <a:lnRef idx="2">
+            <a:schemeClr val="accent1">
+              <a:shade val="50000"/>
+            </a:schemeClr>
+          </a:lnRef>
+          <a:fillRef idx="1">
+            <a:schemeClr val="accent1"/>
+          </a:fillRef>
+          <a:effectRef idx="0">
+            <a:schemeClr val="accent1"/>
+          </a:effectRef>
+          <a:fontRef idx="minor">
+            <a:schemeClr val="lt1"/>
+          </a:fontRef>
+        </p:style>
+        <p:txBody>
+          <a:bodyPr rtlCol="0" anchor="ctr"/>
+          <a:lstStyle/>
+          <a:p>
+            <a:pPr algn="ctr"/>
+            <a:endParaRPr lang="ko-KR" altLang="en-US"/>
+          </a:p>
+        </p:txBody>
+      </p:sp>
+      <p:pic>
+        <p:nvPicPr>
+          <p:cNvPr id="11" name="그림 10"/>
+          <p:cNvPicPr>
+            <a:picLocks noChangeAspect="1"/>
+          </p:cNvPicPr>
+          <p:nvPr/>
+        </p:nvPicPr>
+        <p:blipFill>
+          <a:blip r:embed="rId3"/>
+          <a:stretch>
+            <a:fillRect/>
+          </a:stretch>
+        </p:blipFill>
+        <p:spPr>
+          <a:xfrm>
+            <a:off x="6693030" y="2441125"/>
+            <a:ext cx="466790" cy="438211"/>
+          </a:xfrm>
+          <a:prstGeom prst="rect">
+            <a:avLst/>
+          </a:prstGeom>
+        </p:spPr>
+      </p:pic>
+      <p:pic>
+        <p:nvPicPr>
+          <p:cNvPr id="12" name="그림 11"/>
+          <p:cNvPicPr>
+            <a:picLocks noChangeAspect="1"/>
+          </p:cNvPicPr>
+          <p:nvPr/>
+        </p:nvPicPr>
+        <p:blipFill>
+          <a:blip r:embed="rId4"/>
+          <a:stretch>
+            <a:fillRect/>
+          </a:stretch>
+        </p:blipFill>
+        <p:spPr>
+          <a:xfrm>
+            <a:off x="7728104" y="1104779"/>
+            <a:ext cx="4153480" cy="2276793"/>
+          </a:xfrm>
+          <a:prstGeom prst="rect">
+            <a:avLst/>
+          </a:prstGeom>
+        </p:spPr>
+      </p:pic>
+      <p:sp>
+        <p:nvSpPr>
+          <p:cNvPr id="3" name="모서리가 둥근 직사각형 2"/>
+          <p:cNvSpPr/>
+          <p:nvPr/>
+        </p:nvSpPr>
+        <p:spPr>
+          <a:xfrm>
+            <a:off x="5421086" y="3461657"/>
+            <a:ext cx="1660849" cy="247261"/>
+          </a:xfrm>
+          <a:prstGeom prst="roundRect">
+            <a:avLst/>
+          </a:prstGeom>
+          <a:noFill/>
+        </p:spPr>
+        <p:style>
+          <a:lnRef idx="2">
+            <a:schemeClr val="accent1">
+              <a:shade val="50000"/>
+            </a:schemeClr>
+          </a:lnRef>
+          <a:fillRef idx="1">
+            <a:schemeClr val="accent1"/>
+          </a:fillRef>
+          <a:effectRef idx="0">
+            <a:schemeClr val="accent1"/>
+          </a:effectRef>
+          <a:fontRef idx="minor">
+            <a:schemeClr val="lt1"/>
+          </a:fontRef>
+        </p:style>
+        <p:txBody>
+          <a:bodyPr rtlCol="0" anchor="ctr"/>
+          <a:lstStyle/>
+          <a:p>
+            <a:pPr algn="ctr"/>
+            <a:endParaRPr lang="ko-KR" altLang="en-US"/>
+          </a:p>
+        </p:txBody>
+      </p:sp>
+    </p:spTree>
+    <p:extLst>
+      <p:ext uri="{BB962C8B-B14F-4D97-AF65-F5344CB8AC3E}">
+        <p14:creationId xmlns:p14="http://schemas.microsoft.com/office/powerpoint/2010/main" val="600719156"/>
+      </p:ext>
+    </p:extLst>
+  </p:cSld>
+  <p:clrMapOvr>
+    <a:masterClrMapping/>
+  </p:clrMapOvr>
+  <p:timing>
+    <p:tnLst>
+      <p:par>
+        <p:cTn id="1" dur="indefinite" restart="never" nodeType="tmRoot">
+          <p:childTnLst>
+            <p:seq concurrent="1" nextAc="seek">
+              <p:cTn id="2" dur="indefinite" nodeType="mainSeq">
+                <p:childTnLst>
+                  <p:par>
+                    <p:cTn id="3" fill="hold">
+                      <p:stCondLst>
+                        <p:cond delay="indefinite"/>
+                      </p:stCondLst>
+                      <p:childTnLst>
+                        <p:par>
+                          <p:cTn id="4" fill="hold">
+                            <p:stCondLst>
+                              <p:cond delay="0"/>
+                            </p:stCondLst>
+                            <p:childTnLst>
+                              <p:par>
+                                <p:cTn id="5" presetID="1" presetClass="entr" presetSubtype="0" fill="hold" grpId="0" nodeType="clickEffect">
+                                  <p:stCondLst>
+                                    <p:cond delay="0"/>
+                                  </p:stCondLst>
+                                  <p:childTnLst>
+                                    <p:set>
+                                      <p:cBhvr>
+                                        <p:cTn id="6" dur="1" fill="hold">
+                                          <p:stCondLst>
+                                            <p:cond delay="0"/>
+                                          </p:stCondLst>
+                                        </p:cTn>
+                                        <p:tgtEl>
+                                          <p:spTgt spid="8"/>
+                                        </p:tgtEl>
+                                        <p:attrNameLst>
+                                          <p:attrName>style.visibility</p:attrName>
+                                        </p:attrNameLst>
+                                      </p:cBhvr>
+                                      <p:to>
+                                        <p:strVal val="visible"/>
+                                      </p:to>
+                                    </p:set>
+                                  </p:childTnLst>
+                                </p:cTn>
+                              </p:par>
+                            </p:childTnLst>
+                          </p:cTn>
+                        </p:par>
+                      </p:childTnLst>
+                    </p:cTn>
+                  </p:par>
+                  <p:par>
+                    <p:cTn id="7" fill="hold">
+                      <p:stCondLst>
+                        <p:cond delay="indefinite"/>
+                      </p:stCondLst>
+                      <p:childTnLst>
+                        <p:par>
+                          <p:cTn id="8" fill="hold">
+                            <p:stCondLst>
+                              <p:cond delay="0"/>
+                            </p:stCondLst>
+                            <p:childTnLst>
+                              <p:par>
+                                <p:cTn id="9" presetID="1" presetClass="exit" presetSubtype="0" fill="hold" grpId="1" nodeType="clickEffect">
+                                  <p:stCondLst>
+                                    <p:cond delay="0"/>
+                                  </p:stCondLst>
+                                  <p:childTnLst>
+                                    <p:set>
+                                      <p:cBhvr>
+                                        <p:cTn id="10" dur="1" fill="hold">
+                                          <p:stCondLst>
+                                            <p:cond delay="0"/>
+                                          </p:stCondLst>
+                                        </p:cTn>
+                                        <p:tgtEl>
+                                          <p:spTgt spid="8"/>
+                                        </p:tgtEl>
+                                        <p:attrNameLst>
+                                          <p:attrName>style.visibility</p:attrName>
+                                        </p:attrNameLst>
+                                      </p:cBhvr>
+                                      <p:to>
+                                        <p:strVal val="hidden"/>
+                                      </p:to>
+                                    </p:set>
+                                  </p:childTnLst>
+                                </p:cTn>
+                              </p:par>
+                            </p:childTnLst>
+                          </p:cTn>
+                        </p:par>
+                      </p:childTnLst>
+                    </p:cTn>
+                  </p:par>
+                  <p:par>
+                    <p:cTn id="11" fill="hold">
+                      <p:stCondLst>
+                        <p:cond delay="indefinite"/>
+                      </p:stCondLst>
+                      <p:childTnLst>
+                        <p:par>
+                          <p:cTn id="12" fill="hold">
+                            <p:stCondLst>
+                              <p:cond delay="0"/>
+                            </p:stCondLst>
+                            <p:childTnLst>
+                              <p:par>
+                                <p:cTn id="13" presetID="1" presetClass="entr" presetSubtype="0" fill="hold" nodeType="clickEffect">
+                                  <p:stCondLst>
+                                    <p:cond delay="0"/>
+                                  </p:stCondLst>
+                                  <p:childTnLst>
+                                    <p:set>
+                                      <p:cBhvr>
+                                        <p:cTn id="14" dur="1" fill="hold">
+                                          <p:stCondLst>
+                                            <p:cond delay="0"/>
+                                          </p:stCondLst>
+                                        </p:cTn>
+                                        <p:tgtEl>
+                                          <p:spTgt spid="11"/>
+                                        </p:tgtEl>
+                                        <p:attrNameLst>
+                                          <p:attrName>style.visibility</p:attrName>
+                                        </p:attrNameLst>
+                                      </p:cBhvr>
+                                      <p:to>
+                                        <p:strVal val="visible"/>
+                                      </p:to>
+                                    </p:set>
+                                  </p:childTnLst>
+                                </p:cTn>
+                              </p:par>
+                            </p:childTnLst>
+                          </p:cTn>
+                        </p:par>
+                      </p:childTnLst>
+                    </p:cTn>
+                  </p:par>
+                  <p:par>
+                    <p:cTn id="15" fill="hold">
+                      <p:stCondLst>
+                        <p:cond delay="indefinite"/>
+                      </p:stCondLst>
+                      <p:childTnLst>
+                        <p:par>
+                          <p:cTn id="16" fill="hold">
+                            <p:stCondLst>
+                              <p:cond delay="0"/>
+                            </p:stCondLst>
+                            <p:childTnLst>
+                              <p:par>
+                                <p:cTn id="17" presetID="1" presetClass="exit" presetSubtype="0" fill="hold" nodeType="clickEffect">
+                                  <p:stCondLst>
+                                    <p:cond delay="0"/>
+                                  </p:stCondLst>
+                                  <p:childTnLst>
+                                    <p:set>
+                                      <p:cBhvr>
+                                        <p:cTn id="18" dur="1" fill="hold">
+                                          <p:stCondLst>
+                                            <p:cond delay="0"/>
+                                          </p:stCondLst>
+                                        </p:cTn>
+                                        <p:tgtEl>
+                                          <p:spTgt spid="11"/>
+                                        </p:tgtEl>
+                                        <p:attrNameLst>
+                                          <p:attrName>style.visibility</p:attrName>
+                                        </p:attrNameLst>
+                                      </p:cBhvr>
+                                      <p:to>
+                                        <p:strVal val="hidden"/>
+                                      </p:to>
+                                    </p:set>
+                                  </p:childTnLst>
+                                </p:cTn>
+                              </p:par>
+                            </p:childTnLst>
+                          </p:cTn>
+                        </p:par>
+                      </p:childTnLst>
+                    </p:cTn>
+                  </p:par>
+                  <p:par>
+                    <p:cTn id="19" fill="hold">
+                      <p:stCondLst>
+                        <p:cond delay="indefinite"/>
+                      </p:stCondLst>
+                      <p:childTnLst>
+                        <p:par>
+                          <p:cTn id="20" fill="hold">
+                            <p:stCondLst>
+                              <p:cond delay="0"/>
+                            </p:stCondLst>
+                            <p:childTnLst>
+                              <p:par>
+                                <p:cTn id="21" presetID="1" presetClass="entr" presetSubtype="0" fill="hold" nodeType="clickEffect">
+                                  <p:stCondLst>
+                                    <p:cond delay="0"/>
+                                  </p:stCondLst>
+                                  <p:childTnLst>
+                                    <p:set>
+                                      <p:cBhvr>
+                                        <p:cTn id="22" dur="1" fill="hold">
+                                          <p:stCondLst>
+                                            <p:cond delay="0"/>
+                                          </p:stCondLst>
+                                        </p:cTn>
+                                        <p:tgtEl>
+                                          <p:spTgt spid="12"/>
+                                        </p:tgtEl>
+                                        <p:attrNameLst>
+                                          <p:attrName>style.visibility</p:attrName>
+                                        </p:attrNameLst>
+                                      </p:cBhvr>
+                                      <p:to>
+                                        <p:strVal val="visible"/>
+                                      </p:to>
+                                    </p:set>
+                                  </p:childTnLst>
+                                </p:cTn>
+                              </p:par>
+                            </p:childTnLst>
+                          </p:cTn>
+                        </p:par>
+                      </p:childTnLst>
+                    </p:cTn>
+                  </p:par>
+                  <p:par>
+                    <p:cTn id="23" fill="hold">
+                      <p:stCondLst>
+                        <p:cond delay="indefinite"/>
+                      </p:stCondLst>
+                      <p:childTnLst>
+                        <p:par>
+                          <p:cTn id="24" fill="hold">
+                            <p:stCondLst>
+                              <p:cond delay="0"/>
+                            </p:stCondLst>
+                            <p:childTnLst>
+                              <p:par>
+                                <p:cTn id="25" presetID="1" presetClass="entr" presetSubtype="0" fill="hold" grpId="0" nodeType="clickEffect">
+                                  <p:stCondLst>
+                                    <p:cond delay="0"/>
+                                  </p:stCondLst>
+                                  <p:childTnLst>
+                                    <p:set>
+                                      <p:cBhvr>
+                                        <p:cTn id="26" dur="1" fill="hold">
+                                          <p:stCondLst>
+                                            <p:cond delay="0"/>
+                                          </p:stCondLst>
+                                        </p:cTn>
+                                        <p:tgtEl>
+                                          <p:spTgt spid="3"/>
+                                        </p:tgtEl>
+                                        <p:attrNameLst>
+                                          <p:attrName>style.visibility</p:attrName>
+                                        </p:attrNameLst>
+                                      </p:cBhvr>
+                                      <p:to>
+                                        <p:strVal val="visible"/>
+                                      </p:to>
+                                    </p:set>
+                                  </p:childTnLst>
+                                </p:cTn>
+                              </p:par>
+                            </p:childTnLst>
+                          </p:cTn>
+                        </p:par>
+                      </p:childTnLst>
+                    </p:cTn>
+                  </p:par>
+                </p:childTnLst>
+              </p:cTn>
+              <p:prevCondLst>
+                <p:cond evt="onPrev" delay="0">
+                  <p:tgtEl>
+                    <p:sldTgt/>
+                  </p:tgtEl>
+                </p:cond>
+              </p:prevCondLst>
+              <p:nextCondLst>
+                <p:cond evt="onNext" delay="0">
+                  <p:tgtEl>
+                    <p:sldTgt/>
+                  </p:tgtEl>
+                </p:cond>
+              </p:nextCondLst>
+            </p:seq>
+          </p:childTnLst>
+        </p:cTn>
+      </p:par>
+    </p:tnLst>
+    <p:bldLst>
+      <p:bldP spid="8" grpId="0" animBg="1"/>
+      <p:bldP spid="8" grpId="1" animBg="1"/>
+      <p:bldP spid="3" grpId="0" animBg="1"/>
+    </p:bldLst>
+  </p:timing>
+</p:sld>
+</file>
+
+<file path=ppt/slides/slide14.xml><?xml version="1.0" encoding="utf-8"?>
+<p:sld xmlns:a="http://schemas.openxmlformats.org/drawingml/2006/main" xmlns:r="http://schemas.openxmlformats.org/officeDocument/2006/relationships" xmlns:p="http://schemas.openxmlformats.org/presentationml/2006/main">
+  <p:cSld>
+    <p:spTree>
+      <p:nvGrpSpPr>
+        <p:cNvPr id="1" name=""/>
+        <p:cNvGrpSpPr/>
+        <p:nvPr/>
+      </p:nvGrpSpPr>
+      <p:grpSpPr>
+        <a:xfrm>
+          <a:off x="0" y="0"/>
+          <a:ext cx="0" cy="0"/>
+          <a:chOff x="0" y="0"/>
+          <a:chExt cx="0" cy="0"/>
+        </a:xfrm>
+      </p:grpSpPr>
+      <p:sp>
+        <p:nvSpPr>
+          <p:cNvPr id="5" name="제목 1"/>
+          <p:cNvSpPr>
+            <a:spLocks noGrp="1"/>
+          </p:cNvSpPr>
+          <p:nvPr>
+            <p:ph type="title"/>
+          </p:nvPr>
+        </p:nvSpPr>
+        <p:spPr>
+          <a:xfrm>
+            <a:off x="2133600" y="109728"/>
+            <a:ext cx="7924800" cy="788196"/>
+          </a:xfrm>
+        </p:spPr>
+        <p:txBody>
+          <a:bodyPr>
+            <a:normAutofit/>
+          </a:bodyPr>
+          <a:lstStyle/>
+          <a:p>
+            <a:r>
+              <a:rPr lang="ko-KR" altLang="en-US" sz="2800" dirty="0" smtClean="0"/>
+              <a:t>화면구성</a:t>
+            </a:r>
+            <a:r>
+              <a:rPr lang="en-US" altLang="ko-KR" sz="2800" dirty="0" smtClean="0"/>
+              <a:t>(</a:t>
+            </a:r>
+            <a:r>
+              <a:rPr lang="ko-KR" altLang="en-US" sz="2800" dirty="0" smtClean="0"/>
+              <a:t>성적관리</a:t>
+            </a:r>
+            <a:r>
+              <a:rPr lang="en-US" altLang="ko-KR" sz="2800" dirty="0" smtClean="0"/>
+              <a:t>)</a:t>
+            </a:r>
+            <a:endParaRPr lang="ko-KR" altLang="en-US" sz="2800" dirty="0"/>
+          </a:p>
+        </p:txBody>
+      </p:sp>
+      <p:pic>
+        <p:nvPicPr>
+          <p:cNvPr id="2" name="그림 1"/>
+          <p:cNvPicPr>
+            <a:picLocks noChangeAspect="1"/>
+          </p:cNvPicPr>
+          <p:nvPr/>
+        </p:nvPicPr>
+        <p:blipFill>
+          <a:blip r:embed="rId2"/>
+          <a:stretch>
+            <a:fillRect/>
+          </a:stretch>
+        </p:blipFill>
+        <p:spPr>
+          <a:xfrm>
+            <a:off x="3304785" y="897924"/>
+            <a:ext cx="5582429" cy="5220429"/>
+          </a:xfrm>
+          <a:prstGeom prst="rect">
+            <a:avLst/>
+          </a:prstGeom>
+        </p:spPr>
+      </p:pic>
+    </p:spTree>
+    <p:extLst>
+      <p:ext uri="{BB962C8B-B14F-4D97-AF65-F5344CB8AC3E}">
+        <p14:creationId xmlns:p14="http://schemas.microsoft.com/office/powerpoint/2010/main" val="4082955195"/>
+      </p:ext>
+    </p:extLst>
+  </p:cSld>
+  <p:clrMapOvr>
+    <a:masterClrMapping/>
+  </p:clrMapOvr>
+  <p:timing>
+    <p:tnLst>
+      <p:par>
+        <p:cTn id="1" dur="indefinite" restart="never" nodeType="tmRoot"/>
+      </p:par>
+    </p:tnLst>
+  </p:timing>
+</p:sld>
+</file>
+
+<file path=ppt/slides/slide15.xml><?xml version="1.0" encoding="utf-8"?>
+<p:sld xmlns:a="http://schemas.openxmlformats.org/drawingml/2006/main" xmlns:r="http://schemas.openxmlformats.org/officeDocument/2006/relationships" xmlns:p="http://schemas.openxmlformats.org/presentationml/2006/main">
+  <p:cSld>
+    <p:spTree>
+      <p:nvGrpSpPr>
+        <p:cNvPr id="1" name=""/>
+        <p:cNvGrpSpPr/>
+        <p:nvPr/>
+      </p:nvGrpSpPr>
+      <p:grpSpPr>
+        <a:xfrm>
+          <a:off x="0" y="0"/>
+          <a:ext cx="0" cy="0"/>
+          <a:chOff x="0" y="0"/>
+          <a:chExt cx="0" cy="0"/>
+        </a:xfrm>
+      </p:grpSpPr>
+      <p:sp>
+        <p:nvSpPr>
+          <p:cNvPr id="5" name="제목 1"/>
+          <p:cNvSpPr>
+            <a:spLocks noGrp="1"/>
+          </p:cNvSpPr>
+          <p:nvPr>
+            <p:ph type="title"/>
+          </p:nvPr>
+        </p:nvSpPr>
+        <p:spPr>
+          <a:xfrm>
+            <a:off x="2133600" y="352324"/>
+            <a:ext cx="7924800" cy="788196"/>
+          </a:xfrm>
+        </p:spPr>
+        <p:txBody>
+          <a:bodyPr>
+            <a:normAutofit/>
+          </a:bodyPr>
+          <a:lstStyle/>
+          <a:p>
+            <a:r>
+              <a:rPr lang="ko-KR" altLang="en-US" sz="2800" dirty="0" smtClean="0"/>
+              <a:t>시연</a:t>
+            </a:r>
+            <a:endParaRPr lang="ko-KR" altLang="en-US" sz="2800" dirty="0"/>
+          </a:p>
+        </p:txBody>
+      </p:sp>
+      <p:graphicFrame>
+        <p:nvGraphicFramePr>
+          <p:cNvPr id="3" name="개체 2"/>
+          <p:cNvGraphicFramePr>
+            <a:graphicFrameLocks noChangeAspect="1"/>
+          </p:cNvGraphicFramePr>
+          <p:nvPr>
+            <p:extLst>
+              <p:ext uri="{D42A27DB-BD31-4B8C-83A1-F6EECF244321}">
+                <p14:modId xmlns:p14="http://schemas.microsoft.com/office/powerpoint/2010/main" val="2150129589"/>
+              </p:ext>
+            </p:extLst>
+          </p:nvPr>
+        </p:nvGraphicFramePr>
+        <p:xfrm>
+          <a:off x="5525293" y="3040548"/>
+          <a:ext cx="1141413" cy="539750"/>
+        </p:xfrm>
+        <a:graphic>
+          <a:graphicData uri="http://schemas.openxmlformats.org/presentationml/2006/ole">
+            <mc:AlternateContent xmlns:mc="http://schemas.openxmlformats.org/markup-compatibility/2006">
+              <mc:Choice xmlns:v="urn:schemas-microsoft-com:vml" Requires="v">
+                <p:oleObj spid="_x0000_s1026" name="포장기 셸 개체" showAsIcon="1" r:id="rId3" imgW="1140840" imgH="540000" progId="Package">
+                  <p:embed/>
+                </p:oleObj>
+              </mc:Choice>
+              <mc:Fallback>
+                <p:oleObj name="포장기 셸 개체" showAsIcon="1" r:id="rId3" imgW="1140840" imgH="540000" progId="Package">
+                  <p:embed/>
+                  <p:pic>
+                    <p:nvPicPr>
+                      <p:cNvPr id="0" name=""/>
+                      <p:cNvPicPr/>
+                      <p:nvPr/>
+                    </p:nvPicPr>
+                    <p:blipFill>
+                      <a:blip r:embed="rId4"/>
+                      <a:stretch>
+                        <a:fillRect/>
+                      </a:stretch>
+                    </p:blipFill>
+                    <p:spPr>
+                      <a:xfrm>
+                        <a:off x="5525293" y="3040548"/>
+                        <a:ext cx="1141413" cy="539750"/>
+                      </a:xfrm>
+                      <a:prstGeom prst="rect">
+                        <a:avLst/>
+                      </a:prstGeom>
+                    </p:spPr>
+                  </p:pic>
+                </p:oleObj>
+              </mc:Fallback>
+            </mc:AlternateContent>
+          </a:graphicData>
+        </a:graphic>
+      </p:graphicFrame>
+    </p:spTree>
+    <p:extLst>
+      <p:ext uri="{BB962C8B-B14F-4D97-AF65-F5344CB8AC3E}">
+        <p14:creationId xmlns:p14="http://schemas.microsoft.com/office/powerpoint/2010/main" val="3909184118"/>
+      </p:ext>
+    </p:extLst>
+  </p:cSld>
+  <p:clrMapOvr>
+    <a:masterClrMapping/>
+  </p:clrMapOvr>
+  <p:timing>
+    <p:tnLst>
+      <p:par>
+        <p:cTn id="1" dur="indefinite" restart="never" nodeType="tmRoot"/>
+      </p:par>
+    </p:tnLst>
+  </p:timing>
+</p:sld>
+</file>
+
+<file path=ppt/slides/slide2.xml><?xml version="1.0" encoding="utf-8"?>
+<p:sld xmlns:a="http://schemas.openxmlformats.org/drawingml/2006/main" xmlns:r="http://schemas.openxmlformats.org/officeDocument/2006/relationships" xmlns:p="http://schemas.openxmlformats.org/presentationml/2006/main">
+  <p:cSld>
+    <p:spTree>
+      <p:nvGrpSpPr>
+        <p:cNvPr id="1" name=""/>
+        <p:cNvGrpSpPr/>
+        <p:nvPr/>
+      </p:nvGrpSpPr>
+      <p:grpSpPr>
+        <a:xfrm>
+          <a:off x="0" y="0"/>
+          <a:ext cx="0" cy="0"/>
+          <a:chOff x="0" y="0"/>
+          <a:chExt cx="0" cy="0"/>
+        </a:xfrm>
+      </p:grpSpPr>
+      <p:sp>
+        <p:nvSpPr>
+          <p:cNvPr id="2" name="제목 1"/>
+          <p:cNvSpPr>
+            <a:spLocks noGrp="1"/>
+          </p:cNvSpPr>
+          <p:nvPr>
+            <p:ph type="title"/>
+          </p:nvPr>
+        </p:nvSpPr>
+        <p:spPr/>
+        <p:txBody>
+          <a:bodyPr/>
+          <a:lstStyle/>
+          <a:p>
+            <a:r>
+              <a:rPr lang="ko-KR" altLang="en-US" dirty="0" smtClean="0"/>
+              <a:t>목차</a:t>
+            </a:r>
+            <a:endParaRPr lang="ko-KR" altLang="en-US" dirty="0"/>
+          </a:p>
+        </p:txBody>
+      </p:sp>
+      <p:sp>
+        <p:nvSpPr>
+          <p:cNvPr id="5" name="내용 개체 틀 4"/>
+          <p:cNvSpPr>
+            <a:spLocks noGrp="1"/>
+          </p:cNvSpPr>
+          <p:nvPr>
+            <p:ph idx="1"/>
+          </p:nvPr>
+        </p:nvSpPr>
+        <p:spPr/>
+        <p:txBody>
+          <a:bodyPr>
+            <a:normAutofit/>
+          </a:bodyPr>
+          <a:lstStyle/>
+          <a:p>
+            <a:r>
+              <a:rPr lang="ko-KR" altLang="en-US" dirty="0" smtClean="0"/>
+              <a:t>개발 프로그램 정의</a:t>
+            </a:r>
+            <a:endParaRPr lang="en-US" altLang="ko-KR" dirty="0" smtClean="0"/>
+          </a:p>
+          <a:p>
+            <a:r>
+              <a:rPr lang="ko-KR" altLang="en-US" dirty="0"/>
+              <a:t>프로그램 </a:t>
+            </a:r>
+            <a:r>
+              <a:rPr lang="ko-KR" altLang="en-US" dirty="0" smtClean="0"/>
+              <a:t>구성도</a:t>
+            </a:r>
+            <a:endParaRPr lang="en-US" altLang="ko-KR" dirty="0" smtClean="0"/>
+          </a:p>
+          <a:p>
+            <a:r>
+              <a:rPr lang="ko-KR" altLang="en-US" dirty="0" smtClean="0"/>
+              <a:t>프로그램 용도</a:t>
+            </a:r>
+            <a:endParaRPr lang="en-US" altLang="ko-KR" dirty="0" smtClean="0"/>
+          </a:p>
+          <a:p>
+            <a:r>
+              <a:rPr lang="ko-KR" altLang="en-US" dirty="0" smtClean="0"/>
+              <a:t>화면 </a:t>
+            </a:r>
+            <a:r>
+              <a:rPr lang="ko-KR" altLang="en-US" dirty="0" smtClean="0"/>
+              <a:t>구성</a:t>
+            </a:r>
+            <a:endParaRPr lang="en-US" altLang="ko-KR" dirty="0" smtClean="0"/>
+          </a:p>
+        </p:txBody>
+      </p:sp>
+    </p:spTree>
+    <p:extLst>
+      <p:ext uri="{BB962C8B-B14F-4D97-AF65-F5344CB8AC3E}">
+        <p14:creationId xmlns:p14="http://schemas.microsoft.com/office/powerpoint/2010/main" val="3369448190"/>
+      </p:ext>
+    </p:extLst>
+  </p:cSld>
+  <p:clrMapOvr>
+    <a:masterClrMapping/>
+  </p:clrMapOvr>
+  <p:timing>
+    <p:tnLst>
+      <p:par>
+        <p:cTn id="1" dur="indefinite" restart="never" nodeType="tmRoot"/>
+      </p:par>
+    </p:tnLst>
+  </p:timing>
+</p:sld>
+</file>
+
+<file path=ppt/slides/slide3.xml><?xml version="1.0" encoding="utf-8"?>
+<p:sld xmlns:a="http://schemas.openxmlformats.org/drawingml/2006/main" xmlns:r="http://schemas.openxmlformats.org/officeDocument/2006/relationships" xmlns:p="http://schemas.openxmlformats.org/presentationml/2006/main">
+  <p:cSld>
+    <p:spTree>
+      <p:nvGrpSpPr>
+        <p:cNvPr id="1" name=""/>
+        <p:cNvGrpSpPr/>
+        <p:nvPr/>
+      </p:nvGrpSpPr>
+      <p:grpSpPr>
+        <a:xfrm>
+          <a:off x="0" y="0"/>
+          <a:ext cx="0" cy="0"/>
+          <a:chOff x="0" y="0"/>
+          <a:chExt cx="0" cy="0"/>
+        </a:xfrm>
+      </p:grpSpPr>
+      <p:sp>
+        <p:nvSpPr>
+          <p:cNvPr id="2" name="제목 1"/>
+          <p:cNvSpPr>
+            <a:spLocks noGrp="1"/>
+          </p:cNvSpPr>
+          <p:nvPr>
+            <p:ph type="title"/>
+          </p:nvPr>
+        </p:nvSpPr>
+        <p:spPr/>
+        <p:txBody>
+          <a:bodyPr/>
+          <a:lstStyle/>
+          <a:p>
+            <a:r>
+              <a:rPr lang="ko-KR" altLang="en-US" dirty="0" smtClean="0"/>
+              <a:t>개발 프로그램 정의</a:t>
+            </a:r>
+            <a:endParaRPr lang="ko-KR" altLang="en-US" dirty="0"/>
+          </a:p>
+        </p:txBody>
+      </p:sp>
+      <p:sp>
+        <p:nvSpPr>
+          <p:cNvPr id="3" name="내용 개체 틀 2"/>
+          <p:cNvSpPr>
+            <a:spLocks noGrp="1"/>
+          </p:cNvSpPr>
+          <p:nvPr>
+            <p:ph idx="1"/>
+          </p:nvPr>
+        </p:nvSpPr>
+        <p:spPr/>
+        <p:txBody>
+          <a:bodyPr/>
+          <a:lstStyle/>
+          <a:p>
+            <a:r>
+              <a:rPr lang="ko-KR" altLang="en-US" dirty="0" smtClean="0"/>
+              <a:t>학생관리 프로그램으로</a:t>
+            </a:r>
+            <a:endParaRPr lang="en-US" altLang="ko-KR" dirty="0" smtClean="0"/>
+          </a:p>
+          <a:p>
+            <a:pPr marL="0" indent="0">
+              <a:buNone/>
+            </a:pPr>
+            <a:r>
+              <a:rPr lang="en-US" altLang="ko-KR" dirty="0" smtClean="0"/>
+              <a:t>	</a:t>
+            </a:r>
+            <a:r>
+              <a:rPr lang="ko-KR" altLang="en-US" dirty="0" smtClean="0"/>
+              <a:t>학생들의 정보 및 성적을 관리 하는 프로그램</a:t>
+            </a:r>
+            <a:endParaRPr lang="en-US" altLang="ko-KR" dirty="0" smtClean="0"/>
+          </a:p>
+          <a:p>
+            <a:pPr marL="0" indent="0">
+              <a:buNone/>
+            </a:pPr>
+            <a:r>
+              <a:rPr lang="en-US" altLang="ko-KR" dirty="0"/>
+              <a:t>	</a:t>
+            </a:r>
+            <a:r>
+              <a:rPr lang="ko-KR" altLang="en-US" dirty="0" smtClean="0"/>
+              <a:t>학생정보 검색 및 </a:t>
+            </a:r>
+            <a:r>
+              <a:rPr lang="ko-KR" altLang="en-US" dirty="0" err="1" smtClean="0"/>
+              <a:t>상새정보</a:t>
+            </a:r>
+            <a:r>
+              <a:rPr lang="en-US" altLang="ko-KR" dirty="0" smtClean="0"/>
+              <a:t>(</a:t>
+            </a:r>
+            <a:r>
+              <a:rPr lang="ko-KR" altLang="en-US" dirty="0" smtClean="0"/>
+              <a:t>이름</a:t>
+            </a:r>
+            <a:r>
+              <a:rPr lang="en-US" altLang="ko-KR" dirty="0" smtClean="0"/>
+              <a:t>,</a:t>
+            </a:r>
+            <a:r>
+              <a:rPr lang="ko-KR" altLang="en-US" dirty="0" smtClean="0"/>
+              <a:t>학번</a:t>
+            </a:r>
+            <a:r>
+              <a:rPr lang="en-US" altLang="ko-KR" dirty="0" smtClean="0"/>
+              <a:t>,</a:t>
+            </a:r>
+            <a:r>
+              <a:rPr lang="ko-KR" altLang="en-US" dirty="0" smtClean="0"/>
+              <a:t>병역사항 등</a:t>
+            </a:r>
+            <a:r>
+              <a:rPr lang="en-US" altLang="ko-KR" dirty="0" smtClean="0"/>
+              <a:t>)</a:t>
+            </a:r>
+          </a:p>
+          <a:p>
+            <a:pPr marL="0" indent="0">
+              <a:buNone/>
+            </a:pPr>
+            <a:r>
+              <a:rPr lang="en-US" altLang="ko-KR" dirty="0"/>
+              <a:t>	</a:t>
+            </a:r>
+            <a:r>
+              <a:rPr lang="ko-KR" altLang="en-US" dirty="0" smtClean="0"/>
+              <a:t>관리가 가능 하며</a:t>
+            </a:r>
+            <a:endParaRPr lang="en-US" altLang="ko-KR" dirty="0" smtClean="0"/>
+          </a:p>
+          <a:p>
+            <a:pPr marL="0" indent="0">
+              <a:buNone/>
+            </a:pPr>
+            <a:r>
+              <a:rPr lang="en-US" altLang="ko-KR" dirty="0"/>
+              <a:t>	</a:t>
+            </a:r>
+            <a:r>
+              <a:rPr lang="ko-KR" altLang="en-US" dirty="0" smtClean="0"/>
+              <a:t>성적 </a:t>
+            </a:r>
+            <a:r>
+              <a:rPr lang="ko-KR" altLang="en-US" dirty="0" smtClean="0"/>
+              <a:t>검색 </a:t>
+            </a:r>
+            <a:r>
+              <a:rPr lang="ko-KR" altLang="en-US" dirty="0" smtClean="0"/>
+              <a:t>및 수정 삭제 관리가 가능함</a:t>
+            </a:r>
+            <a:r>
+              <a:rPr lang="en-US" altLang="ko-KR" dirty="0" smtClean="0"/>
+              <a:t>.</a:t>
+            </a:r>
+          </a:p>
+        </p:txBody>
+      </p:sp>
+    </p:spTree>
+    <p:extLst>
+      <p:ext uri="{BB962C8B-B14F-4D97-AF65-F5344CB8AC3E}">
+        <p14:creationId xmlns:p14="http://schemas.microsoft.com/office/powerpoint/2010/main" val="2344511587"/>
+      </p:ext>
+    </p:extLst>
+  </p:cSld>
+  <p:clrMapOvr>
+    <a:masterClrMapping/>
+  </p:clrMapOvr>
+  <p:timing>
+    <p:tnLst>
+      <p:par>
+        <p:cTn id="1" dur="indefinite" restart="never" nodeType="tmRoot"/>
+      </p:par>
+    </p:tnLst>
+  </p:timing>
+</p:sld>
+</file>
+
+<file path=ppt/slides/slide4.xml><?xml version="1.0" encoding="utf-8"?>
+<p:sld xmlns:a="http://schemas.openxmlformats.org/drawingml/2006/main" xmlns:r="http://schemas.openxmlformats.org/officeDocument/2006/relationships" xmlns:p="http://schemas.openxmlformats.org/presentationml/2006/main">
+  <p:cSld>
+    <p:spTree>
+      <p:nvGrpSpPr>
+        <p:cNvPr id="1" name=""/>
+        <p:cNvGrpSpPr/>
+        <p:nvPr/>
+      </p:nvGrpSpPr>
+      <p:grpSpPr>
+        <a:xfrm>
+          <a:off x="0" y="0"/>
+          <a:ext cx="0" cy="0"/>
+          <a:chOff x="0" y="0"/>
+          <a:chExt cx="0" cy="0"/>
+        </a:xfrm>
+      </p:grpSpPr>
+      <p:sp>
+        <p:nvSpPr>
+          <p:cNvPr id="2" name="제목 1"/>
+          <p:cNvSpPr>
+            <a:spLocks noGrp="1"/>
+          </p:cNvSpPr>
+          <p:nvPr>
+            <p:ph type="title"/>
+          </p:nvPr>
+        </p:nvSpPr>
+        <p:spPr>
+          <a:xfrm>
+            <a:off x="838200" y="365125"/>
+            <a:ext cx="10515600" cy="433945"/>
+          </a:xfrm>
+        </p:spPr>
+        <p:txBody>
+          <a:bodyPr>
+            <a:normAutofit fontScale="90000"/>
+          </a:bodyPr>
+          <a:lstStyle/>
+          <a:p>
+            <a:r>
+              <a:rPr lang="ko-KR" altLang="en-US" sz="2400" dirty="0"/>
+              <a:t>프로그램 구성도 </a:t>
+            </a:r>
+            <a:r>
+              <a:rPr lang="en-US" altLang="ko-KR" sz="2400" dirty="0" smtClean="0"/>
+              <a:t>(ERD </a:t>
+            </a:r>
+            <a:r>
+              <a:rPr lang="ko-KR" altLang="en-US" sz="2400" dirty="0" smtClean="0"/>
+              <a:t>다이어그램</a:t>
+            </a:r>
+            <a:r>
+              <a:rPr lang="en-US" altLang="ko-KR" sz="2400" dirty="0" smtClean="0"/>
+              <a:t>)</a:t>
+            </a:r>
+            <a:endParaRPr lang="ko-KR" altLang="en-US" sz="2400" dirty="0"/>
+          </a:p>
+        </p:txBody>
+      </p:sp>
+      <p:sp>
+        <p:nvSpPr>
+          <p:cNvPr id="3" name="내용 개체 틀 2"/>
+          <p:cNvSpPr>
+            <a:spLocks noGrp="1"/>
+          </p:cNvSpPr>
+          <p:nvPr>
+            <p:ph idx="1"/>
+          </p:nvPr>
+        </p:nvSpPr>
+        <p:spPr/>
+        <p:txBody>
+          <a:bodyPr/>
+          <a:lstStyle/>
+          <a:p>
+            <a:endParaRPr lang="ko-KR" altLang="en-US"/>
+          </a:p>
+        </p:txBody>
+      </p:sp>
+      <p:pic>
+        <p:nvPicPr>
+          <p:cNvPr id="4" name="그림 3"/>
+          <p:cNvPicPr>
+            <a:picLocks noChangeAspect="1"/>
+          </p:cNvPicPr>
+          <p:nvPr/>
+        </p:nvPicPr>
+        <p:blipFill>
+          <a:blip r:embed="rId2"/>
+          <a:stretch>
+            <a:fillRect/>
+          </a:stretch>
+        </p:blipFill>
+        <p:spPr>
+          <a:xfrm>
+            <a:off x="323044" y="1144210"/>
+            <a:ext cx="11545911" cy="4982270"/>
+          </a:xfrm>
+          <a:prstGeom prst="rect">
+            <a:avLst/>
+          </a:prstGeom>
+        </p:spPr>
+      </p:pic>
+      <p:pic>
+        <p:nvPicPr>
+          <p:cNvPr id="5" name="그림 4"/>
+          <p:cNvPicPr>
+            <a:picLocks noChangeAspect="1"/>
+          </p:cNvPicPr>
+          <p:nvPr/>
+        </p:nvPicPr>
+        <p:blipFill>
+          <a:blip r:embed="rId3"/>
+          <a:stretch>
+            <a:fillRect/>
+          </a:stretch>
+        </p:blipFill>
+        <p:spPr>
+          <a:xfrm>
+            <a:off x="7916075" y="4754689"/>
+            <a:ext cx="3296110" cy="1371791"/>
+          </a:xfrm>
+          <a:prstGeom prst="rect">
+            <a:avLst/>
+          </a:prstGeom>
+        </p:spPr>
+      </p:pic>
+    </p:spTree>
+    <p:extLst>
+      <p:ext uri="{BB962C8B-B14F-4D97-AF65-F5344CB8AC3E}">
+        <p14:creationId xmlns:p14="http://schemas.microsoft.com/office/powerpoint/2010/main" val="419757014"/>
+      </p:ext>
+    </p:extLst>
+  </p:cSld>
+  <p:clrMapOvr>
+    <a:masterClrMapping/>
+  </p:clrMapOvr>
+  <p:timing>
+    <p:tnLst>
+      <p:par>
+        <p:cTn id="1" dur="indefinite" restart="never" nodeType="tmRoot"/>
+      </p:par>
+    </p:tnLst>
+  </p:timing>
+</p:sld>
+</file>
+
+<file path=ppt/slides/slide5.xml><?xml version="1.0" encoding="utf-8"?>
+<p:sld xmlns:a="http://schemas.openxmlformats.org/drawingml/2006/main" xmlns:r="http://schemas.openxmlformats.org/officeDocument/2006/relationships" xmlns:p="http://schemas.openxmlformats.org/presentationml/2006/main">
+  <p:cSld>
+    <p:spTree>
+      <p:nvGrpSpPr>
+        <p:cNvPr id="1" name=""/>
+        <p:cNvGrpSpPr/>
+        <p:nvPr/>
+      </p:nvGrpSpPr>
+      <p:grpSpPr>
+        <a:xfrm>
+          <a:off x="0" y="0"/>
+          <a:ext cx="0" cy="0"/>
+          <a:chOff x="0" y="0"/>
+          <a:chExt cx="0" cy="0"/>
+        </a:xfrm>
+      </p:grpSpPr>
+      <p:sp>
+        <p:nvSpPr>
+          <p:cNvPr id="2" name="제목 1"/>
+          <p:cNvSpPr>
+            <a:spLocks noGrp="1"/>
+          </p:cNvSpPr>
+          <p:nvPr>
+            <p:ph type="title"/>
+          </p:nvPr>
+        </p:nvSpPr>
+        <p:spPr>
+          <a:xfrm>
+            <a:off x="805247" y="428367"/>
+            <a:ext cx="10515600" cy="433945"/>
+          </a:xfrm>
+        </p:spPr>
+        <p:txBody>
+          <a:bodyPr>
+            <a:normAutofit fontScale="90000"/>
+          </a:bodyPr>
+          <a:lstStyle/>
+          <a:p>
+            <a:r>
+              <a:rPr lang="ko-KR" altLang="en-US" sz="2000" dirty="0"/>
+              <a:t>프로그램 </a:t>
+            </a:r>
+            <a:r>
+              <a:rPr lang="ko-KR" altLang="en-US" sz="2000" dirty="0" smtClean="0"/>
+              <a:t>구성도  </a:t>
+            </a:r>
+            <a:r>
+              <a:rPr lang="en-US" altLang="ko-KR" sz="2000" dirty="0" smtClean="0"/>
+              <a:t>(</a:t>
+            </a:r>
+            <a:r>
+              <a:rPr lang="en-US" altLang="ko-KR" sz="2400" dirty="0" smtClean="0"/>
+              <a:t>DTO</a:t>
+            </a:r>
+            <a:r>
+              <a:rPr lang="ko-KR" altLang="en-US" sz="2400" dirty="0" smtClean="0"/>
+              <a:t>다이어그램</a:t>
+            </a:r>
+            <a:r>
+              <a:rPr lang="en-US" altLang="ko-KR" sz="2400" dirty="0" smtClean="0"/>
+              <a:t>)</a:t>
+            </a:r>
+            <a:endParaRPr lang="ko-KR" altLang="en-US" sz="2400" dirty="0"/>
+          </a:p>
+        </p:txBody>
+      </p:sp>
+      <p:pic>
+        <p:nvPicPr>
+          <p:cNvPr id="4" name="내용 개체 틀 3"/>
+          <p:cNvPicPr>
+            <a:picLocks noGrp="1" noChangeAspect="1"/>
+          </p:cNvPicPr>
+          <p:nvPr>
+            <p:ph idx="1"/>
+          </p:nvPr>
+        </p:nvPicPr>
+        <p:blipFill>
+          <a:blip r:embed="rId2">
+            <a:extLst>
+              <a:ext uri="{28A0092B-C50C-407E-A947-70E740481C1C}">
+                <a14:useLocalDpi xmlns:a14="http://schemas.microsoft.com/office/drawing/2010/main" val="0"/>
+              </a:ext>
+            </a:extLst>
+          </a:blip>
+          <a:stretch>
+            <a:fillRect/>
+          </a:stretch>
+        </p:blipFill>
+        <p:spPr>
+          <a:xfrm>
+            <a:off x="1959381" y="1181186"/>
+            <a:ext cx="7993151" cy="4598988"/>
+          </a:xfrm>
+        </p:spPr>
+      </p:pic>
+    </p:spTree>
+    <p:extLst>
+      <p:ext uri="{BB962C8B-B14F-4D97-AF65-F5344CB8AC3E}">
+        <p14:creationId xmlns:p14="http://schemas.microsoft.com/office/powerpoint/2010/main" val="1646522091"/>
+      </p:ext>
+    </p:extLst>
+  </p:cSld>
+  <p:clrMapOvr>
+    <a:masterClrMapping/>
+  </p:clrMapOvr>
+  <p:timing>
+    <p:tnLst>
+      <p:par>
+        <p:cTn id="1" dur="indefinite" restart="never" nodeType="tmRoot"/>
+      </p:par>
+    </p:tnLst>
+  </p:timing>
+</p:sld>
+</file>
+
+<file path=ppt/slides/slide6.xml><?xml version="1.0" encoding="utf-8"?>
+<p:sld xmlns:a="http://schemas.openxmlformats.org/drawingml/2006/main" xmlns:r="http://schemas.openxmlformats.org/officeDocument/2006/relationships" xmlns:p="http://schemas.openxmlformats.org/presentationml/2006/main">
+  <p:cSld>
+    <p:spTree>
+      <p:nvGrpSpPr>
+        <p:cNvPr id="1" name=""/>
+        <p:cNvGrpSpPr/>
+        <p:nvPr/>
+      </p:nvGrpSpPr>
+      <p:grpSpPr>
+        <a:xfrm>
+          <a:off x="0" y="0"/>
+          <a:ext cx="0" cy="0"/>
+          <a:chOff x="0" y="0"/>
+          <a:chExt cx="0" cy="0"/>
+        </a:xfrm>
+      </p:grpSpPr>
+      <p:sp>
+        <p:nvSpPr>
+          <p:cNvPr id="2" name="제목 1"/>
+          <p:cNvSpPr>
+            <a:spLocks noGrp="1"/>
+          </p:cNvSpPr>
+          <p:nvPr>
+            <p:ph type="title"/>
+          </p:nvPr>
+        </p:nvSpPr>
+        <p:spPr>
+          <a:xfrm>
+            <a:off x="838200" y="428368"/>
+            <a:ext cx="10515600" cy="433945"/>
+          </a:xfrm>
+        </p:spPr>
+        <p:txBody>
+          <a:bodyPr>
+            <a:normAutofit fontScale="90000"/>
+          </a:bodyPr>
+          <a:lstStyle/>
+          <a:p>
+            <a:r>
+              <a:rPr lang="ko-KR" altLang="en-US" sz="2000" dirty="0"/>
+              <a:t>프로그램 </a:t>
+            </a:r>
+            <a:r>
+              <a:rPr lang="ko-KR" altLang="en-US" sz="2000" dirty="0" smtClean="0"/>
+              <a:t>구성도  </a:t>
+            </a:r>
+            <a:r>
+              <a:rPr lang="en-US" altLang="ko-KR" sz="2000" dirty="0" smtClean="0"/>
+              <a:t>(DAO</a:t>
+            </a:r>
+            <a:r>
+              <a:rPr lang="ko-KR" altLang="en-US" sz="2400" dirty="0" smtClean="0"/>
+              <a:t>다이어그램</a:t>
+            </a:r>
+            <a:r>
+              <a:rPr lang="en-US" altLang="ko-KR" sz="2400" dirty="0" smtClean="0"/>
+              <a:t>)</a:t>
+            </a:r>
+            <a:endParaRPr lang="ko-KR" altLang="en-US" sz="2400" dirty="0"/>
+          </a:p>
+        </p:txBody>
+      </p:sp>
+      <p:pic>
+        <p:nvPicPr>
+          <p:cNvPr id="5" name="내용 개체 틀 4"/>
+          <p:cNvPicPr>
+            <a:picLocks noGrp="1" noChangeAspect="1"/>
+          </p:cNvPicPr>
+          <p:nvPr>
+            <p:ph idx="1"/>
+          </p:nvPr>
+        </p:nvPicPr>
+        <p:blipFill rotWithShape="1">
+          <a:blip r:embed="rId2">
+            <a:extLst>
+              <a:ext uri="{28A0092B-C50C-407E-A947-70E740481C1C}">
+                <a14:useLocalDpi xmlns:a14="http://schemas.microsoft.com/office/drawing/2010/main" val="0"/>
+              </a:ext>
+            </a:extLst>
+          </a:blip>
+          <a:srcRect l="45541" t="43909" r="42415" b="32925"/>
+          <a:stretch/>
+        </p:blipFill>
+        <p:spPr>
+          <a:xfrm>
+            <a:off x="6096000" y="3599975"/>
+            <a:ext cx="1577131" cy="1065403"/>
+          </a:xfrm>
+          <a:ln w="28575">
+            <a:solidFill>
+              <a:schemeClr val="accent1"/>
+            </a:solidFill>
+          </a:ln>
+        </p:spPr>
+      </p:pic>
+      <p:pic>
+        <p:nvPicPr>
+          <p:cNvPr id="3" name="그림 2"/>
+          <p:cNvPicPr>
+            <a:picLocks noChangeAspect="1"/>
+          </p:cNvPicPr>
+          <p:nvPr/>
+        </p:nvPicPr>
+        <p:blipFill>
+          <a:blip r:embed="rId3"/>
+          <a:stretch>
+            <a:fillRect/>
+          </a:stretch>
+        </p:blipFill>
+        <p:spPr>
+          <a:xfrm>
+            <a:off x="1625524" y="1587982"/>
+            <a:ext cx="4163006" cy="2238687"/>
+          </a:xfrm>
+          <a:prstGeom prst="rect">
+            <a:avLst/>
+          </a:prstGeom>
+        </p:spPr>
+      </p:pic>
+      <p:pic>
+        <p:nvPicPr>
+          <p:cNvPr id="4" name="그림 3"/>
+          <p:cNvPicPr>
+            <a:picLocks noChangeAspect="1"/>
+          </p:cNvPicPr>
+          <p:nvPr/>
+        </p:nvPicPr>
+        <p:blipFill rotWithShape="1">
+          <a:blip r:embed="rId4"/>
+          <a:srcRect l="10409" t="24111" r="3636" b="13969"/>
+          <a:stretch/>
+        </p:blipFill>
+        <p:spPr>
+          <a:xfrm>
+            <a:off x="2405448" y="3893778"/>
+            <a:ext cx="2718487" cy="477795"/>
+          </a:xfrm>
+          <a:prstGeom prst="rect">
+            <a:avLst/>
+          </a:prstGeom>
+          <a:ln w="28575">
+            <a:solidFill>
+              <a:schemeClr val="accent1"/>
+            </a:solidFill>
+          </a:ln>
+        </p:spPr>
+      </p:pic>
+      <p:pic>
+        <p:nvPicPr>
+          <p:cNvPr id="6" name="내용 개체 틀 4"/>
+          <p:cNvPicPr>
+            <a:picLocks noChangeAspect="1"/>
+          </p:cNvPicPr>
+          <p:nvPr/>
+        </p:nvPicPr>
+        <p:blipFill rotWithShape="1">
+          <a:blip r:embed="rId2">
+            <a:extLst>
+              <a:ext uri="{28A0092B-C50C-407E-A947-70E740481C1C}">
+                <a14:useLocalDpi xmlns:a14="http://schemas.microsoft.com/office/drawing/2010/main" val="0"/>
+              </a:ext>
+            </a:extLst>
+          </a:blip>
+          <a:srcRect l="44358" t="14539" r="42253" b="59377"/>
+          <a:stretch/>
+        </p:blipFill>
+        <p:spPr bwMode="gray">
+          <a:xfrm>
+            <a:off x="8702861" y="3532864"/>
+            <a:ext cx="1753299" cy="1199626"/>
+          </a:xfrm>
+          <a:prstGeom prst="rect">
+            <a:avLst/>
+          </a:prstGeom>
+          <a:ln w="28575">
+            <a:solidFill>
+              <a:schemeClr val="accent1"/>
+            </a:solidFill>
+          </a:ln>
+        </p:spPr>
+      </p:pic>
+      <p:cxnSp>
+        <p:nvCxnSpPr>
+          <p:cNvPr id="8" name="직선 화살표 연결선 7"/>
+          <p:cNvCxnSpPr>
+            <a:stCxn id="4" idx="3"/>
+            <a:endCxn id="5" idx="1"/>
+          </p:cNvCxnSpPr>
+          <p:nvPr/>
+        </p:nvCxnSpPr>
+        <p:spPr>
+          <a:xfrm>
+            <a:off x="5123935" y="4132676"/>
+            <a:ext cx="972065" cy="1"/>
+          </a:xfrm>
+          <a:prstGeom prst="straightConnector1">
+            <a:avLst/>
+          </a:prstGeom>
+          <a:ln w="28575">
+            <a:solidFill>
+              <a:schemeClr val="accent1"/>
+            </a:solidFill>
+            <a:tailEnd type="triangle"/>
+          </a:ln>
+        </p:spPr>
+        <p:style>
+          <a:lnRef idx="1">
+            <a:schemeClr val="accent1"/>
+          </a:lnRef>
+          <a:fillRef idx="0">
+            <a:schemeClr val="accent1"/>
+          </a:fillRef>
+          <a:effectRef idx="0">
+            <a:schemeClr val="accent1"/>
+          </a:effectRef>
+          <a:fontRef idx="minor">
+            <a:schemeClr val="tx1"/>
+          </a:fontRef>
+        </p:style>
+      </p:cxnSp>
+      <p:cxnSp>
+        <p:nvCxnSpPr>
+          <p:cNvPr id="11" name="직선 화살표 연결선 10"/>
+          <p:cNvCxnSpPr>
+            <a:stCxn id="5" idx="3"/>
+            <a:endCxn id="6" idx="1"/>
+          </p:cNvCxnSpPr>
+          <p:nvPr/>
+        </p:nvCxnSpPr>
+        <p:spPr>
+          <a:xfrm>
+            <a:off x="7673131" y="4132677"/>
+            <a:ext cx="1029730" cy="0"/>
+          </a:xfrm>
+          <a:prstGeom prst="straightConnector1">
+            <a:avLst/>
+          </a:prstGeom>
+          <a:ln w="28575">
+            <a:solidFill>
+              <a:schemeClr val="accent1"/>
+            </a:solidFill>
+            <a:tailEnd type="triangle"/>
+          </a:ln>
+        </p:spPr>
+        <p:style>
+          <a:lnRef idx="1">
+            <a:schemeClr val="accent1"/>
+          </a:lnRef>
+          <a:fillRef idx="0">
+            <a:schemeClr val="accent1"/>
+          </a:fillRef>
+          <a:effectRef idx="0">
+            <a:schemeClr val="accent1"/>
+          </a:effectRef>
+          <a:fontRef idx="minor">
+            <a:schemeClr val="tx1"/>
+          </a:fontRef>
+        </p:style>
+      </p:cxnSp>
+      <p:cxnSp>
+        <p:nvCxnSpPr>
+          <p:cNvPr id="13" name="직선 화살표 연결선 12"/>
+          <p:cNvCxnSpPr>
+            <a:stCxn id="6" idx="0"/>
+            <a:endCxn id="3" idx="3"/>
+          </p:cNvCxnSpPr>
+          <p:nvPr/>
+        </p:nvCxnSpPr>
+        <p:spPr>
+          <a:xfrm rot="16200000" flipV="1">
+            <a:off x="7271252" y="1224604"/>
+            <a:ext cx="825538" cy="3790981"/>
+          </a:xfrm>
+          <a:prstGeom prst="bentConnector2">
+            <a:avLst/>
+          </a:prstGeom>
+          <a:ln w="28575">
+            <a:solidFill>
+              <a:schemeClr val="accent1"/>
+            </a:solidFill>
+            <a:tailEnd type="triangle"/>
+          </a:ln>
+        </p:spPr>
+        <p:style>
+          <a:lnRef idx="1">
+            <a:schemeClr val="accent1"/>
+          </a:lnRef>
+          <a:fillRef idx="0">
+            <a:schemeClr val="accent1"/>
+          </a:fillRef>
+          <a:effectRef idx="0">
+            <a:schemeClr val="accent1"/>
+          </a:effectRef>
+          <a:fontRef idx="minor">
+            <a:schemeClr val="tx1"/>
+          </a:fontRef>
+        </p:style>
+      </p:cxnSp>
+    </p:spTree>
+    <p:extLst>
+      <p:ext uri="{BB962C8B-B14F-4D97-AF65-F5344CB8AC3E}">
+        <p14:creationId xmlns:p14="http://schemas.microsoft.com/office/powerpoint/2010/main" val="1646593437"/>
+      </p:ext>
+    </p:extLst>
+  </p:cSld>
+  <p:clrMapOvr>
+    <a:masterClrMapping/>
+  </p:clrMapOvr>
+  <p:timing>
+    <p:tnLst>
+      <p:par>
+        <p:cTn id="1" dur="indefinite" restart="never" nodeType="tmRoot"/>
+      </p:par>
+    </p:tnLst>
+  </p:timing>
+</p:sld>
+</file>
+
+<file path=ppt/slides/slide7.xml><?xml version="1.0" encoding="utf-8"?>
+<p:sld xmlns:a="http://schemas.openxmlformats.org/drawingml/2006/main" xmlns:r="http://schemas.openxmlformats.org/officeDocument/2006/relationships" xmlns:p="http://schemas.openxmlformats.org/presentationml/2006/main">
+  <p:cSld>
+    <p:spTree>
+      <p:nvGrpSpPr>
+        <p:cNvPr id="1" name=""/>
+        <p:cNvGrpSpPr/>
+        <p:nvPr/>
+      </p:nvGrpSpPr>
+      <p:grpSpPr>
+        <a:xfrm>
+          <a:off x="0" y="0"/>
+          <a:ext cx="0" cy="0"/>
+          <a:chOff x="0" y="0"/>
+          <a:chExt cx="0" cy="0"/>
+        </a:xfrm>
+      </p:grpSpPr>
+      <p:sp>
+        <p:nvSpPr>
+          <p:cNvPr id="2" name="제목 1"/>
+          <p:cNvSpPr>
+            <a:spLocks noGrp="1"/>
+          </p:cNvSpPr>
+          <p:nvPr>
+            <p:ph type="title"/>
+          </p:nvPr>
+        </p:nvSpPr>
+        <p:spPr>
+          <a:xfrm>
+            <a:off x="838200" y="428368"/>
+            <a:ext cx="10515600" cy="433945"/>
+          </a:xfrm>
+        </p:spPr>
+        <p:txBody>
+          <a:bodyPr>
+            <a:normAutofit fontScale="90000"/>
+          </a:bodyPr>
+          <a:lstStyle/>
+          <a:p>
+            <a:r>
+              <a:rPr lang="ko-KR" altLang="en-US" sz="2000" dirty="0"/>
+              <a:t>프로그램 </a:t>
+            </a:r>
+            <a:r>
+              <a:rPr lang="ko-KR" altLang="en-US" sz="2000" dirty="0" smtClean="0"/>
+              <a:t>구성도  </a:t>
+            </a:r>
+            <a:r>
+              <a:rPr lang="en-US" altLang="ko-KR" sz="2000" dirty="0" smtClean="0"/>
+              <a:t>(DAO</a:t>
+            </a:r>
+            <a:r>
+              <a:rPr lang="ko-KR" altLang="en-US" sz="2400" dirty="0" smtClean="0"/>
+              <a:t>다이어그램</a:t>
+            </a:r>
+            <a:r>
+              <a:rPr lang="en-US" altLang="ko-KR" sz="2400" dirty="0" smtClean="0"/>
+              <a:t>)</a:t>
+            </a:r>
+            <a:endParaRPr lang="ko-KR" altLang="en-US" sz="2400" dirty="0"/>
+          </a:p>
+        </p:txBody>
+      </p:sp>
+      <p:pic>
+        <p:nvPicPr>
+          <p:cNvPr id="5" name="내용 개체 틀 4"/>
+          <p:cNvPicPr>
+            <a:picLocks noGrp="1" noChangeAspect="1"/>
+          </p:cNvPicPr>
+          <p:nvPr>
+            <p:ph idx="1"/>
+          </p:nvPr>
+        </p:nvPicPr>
+        <p:blipFill rotWithShape="1">
+          <a:blip r:embed="rId2">
+            <a:extLst>
+              <a:ext uri="{28A0092B-C50C-407E-A947-70E740481C1C}">
+                <a14:useLocalDpi xmlns:a14="http://schemas.microsoft.com/office/drawing/2010/main" val="0"/>
+              </a:ext>
+            </a:extLst>
+          </a:blip>
+          <a:srcRect l="60938" t="15409" r="5733" b="62012"/>
+          <a:stretch/>
+        </p:blipFill>
+        <p:spPr>
+          <a:xfrm>
+            <a:off x="7478537" y="3930450"/>
+            <a:ext cx="2758909" cy="1342768"/>
+          </a:xfrm>
+          <a:ln w="34925">
+            <a:solidFill>
+              <a:schemeClr val="accent1">
+                <a:shade val="50000"/>
+              </a:schemeClr>
+            </a:solidFill>
+          </a:ln>
+        </p:spPr>
+      </p:pic>
+      <p:pic>
+        <p:nvPicPr>
+          <p:cNvPr id="3" name="그림 2"/>
+          <p:cNvPicPr>
+            <a:picLocks noChangeAspect="1"/>
+          </p:cNvPicPr>
+          <p:nvPr/>
+        </p:nvPicPr>
+        <p:blipFill>
+          <a:blip r:embed="rId3"/>
+          <a:stretch>
+            <a:fillRect/>
+          </a:stretch>
+        </p:blipFill>
+        <p:spPr>
+          <a:xfrm>
+            <a:off x="2407024" y="931448"/>
+            <a:ext cx="4596686" cy="5220429"/>
+          </a:xfrm>
+          <a:prstGeom prst="rect">
+            <a:avLst/>
+          </a:prstGeom>
+        </p:spPr>
+      </p:pic>
+      <p:pic>
+        <p:nvPicPr>
+          <p:cNvPr id="4" name="그림 3"/>
+          <p:cNvPicPr>
+            <a:picLocks noChangeAspect="1"/>
+          </p:cNvPicPr>
+          <p:nvPr/>
+        </p:nvPicPr>
+        <p:blipFill>
+          <a:blip r:embed="rId4"/>
+          <a:stretch>
+            <a:fillRect/>
+          </a:stretch>
+        </p:blipFill>
+        <p:spPr>
+          <a:xfrm>
+            <a:off x="3617849" y="862313"/>
+            <a:ext cx="2610214" cy="495369"/>
+          </a:xfrm>
+          <a:prstGeom prst="rect">
+            <a:avLst/>
+          </a:prstGeom>
+          <a:ln w="34925">
+            <a:solidFill>
+              <a:schemeClr val="accent1">
+                <a:shade val="50000"/>
+              </a:schemeClr>
+            </a:solidFill>
+          </a:ln>
+        </p:spPr>
+      </p:pic>
+      <p:pic>
+        <p:nvPicPr>
+          <p:cNvPr id="6" name="내용 개체 틀 4"/>
+          <p:cNvPicPr>
+            <a:picLocks noChangeAspect="1"/>
+          </p:cNvPicPr>
+          <p:nvPr/>
+        </p:nvPicPr>
+        <p:blipFill rotWithShape="1">
+          <a:blip r:embed="rId2">
+            <a:extLst>
+              <a:ext uri="{28A0092B-C50C-407E-A947-70E740481C1C}">
+                <a14:useLocalDpi xmlns:a14="http://schemas.microsoft.com/office/drawing/2010/main" val="0"/>
+              </a:ext>
+            </a:extLst>
+          </a:blip>
+          <a:srcRect l="67944" t="45607" r="12352" b="26965"/>
+          <a:stretch/>
+        </p:blipFill>
+        <p:spPr bwMode="gray">
+          <a:xfrm>
+            <a:off x="8062630" y="1224383"/>
+            <a:ext cx="1631092" cy="1631092"/>
+          </a:xfrm>
+          <a:prstGeom prst="rect">
+            <a:avLst/>
+          </a:prstGeom>
+          <a:ln w="34925">
+            <a:solidFill>
+              <a:schemeClr val="accent1">
+                <a:shade val="50000"/>
+              </a:schemeClr>
+            </a:solidFill>
+          </a:ln>
+        </p:spPr>
+      </p:pic>
+      <p:sp>
+        <p:nvSpPr>
+          <p:cNvPr id="7" name="직사각형 6"/>
+          <p:cNvSpPr/>
+          <p:nvPr/>
+        </p:nvSpPr>
+        <p:spPr>
+          <a:xfrm>
+            <a:off x="3943739" y="2216979"/>
+            <a:ext cx="675503" cy="255373"/>
+          </a:xfrm>
+          <a:prstGeom prst="rect">
+            <a:avLst/>
+          </a:prstGeom>
+          <a:noFill/>
+          <a:ln w="34925">
+            <a:solidFill>
+              <a:schemeClr val="accent1">
+                <a:shade val="50000"/>
+              </a:schemeClr>
+            </a:solidFill>
+          </a:ln>
+        </p:spPr>
+        <p:style>
+          <a:lnRef idx="2">
+            <a:schemeClr val="accent1">
+              <a:shade val="50000"/>
+            </a:schemeClr>
+          </a:lnRef>
+          <a:fillRef idx="1">
+            <a:schemeClr val="accent1"/>
+          </a:fillRef>
+          <a:effectRef idx="0">
+            <a:schemeClr val="accent1"/>
+          </a:effectRef>
+          <a:fontRef idx="minor">
+            <a:schemeClr val="lt1"/>
+          </a:fontRef>
+        </p:style>
+        <p:txBody>
+          <a:bodyPr rtlCol="0" anchor="ctr"/>
+          <a:lstStyle/>
+          <a:p>
+            <a:pPr algn="ctr"/>
+            <a:endParaRPr lang="ko-KR" altLang="en-US"/>
+          </a:p>
+        </p:txBody>
+      </p:sp>
+      <p:cxnSp>
+        <p:nvCxnSpPr>
+          <p:cNvPr id="9" name="직선 화살표 연결선 8"/>
+          <p:cNvCxnSpPr>
+            <a:stCxn id="7" idx="0"/>
+          </p:cNvCxnSpPr>
+          <p:nvPr/>
+        </p:nvCxnSpPr>
+        <p:spPr>
+          <a:xfrm rot="5400000" flipH="1" flipV="1">
+            <a:off x="5809134" y="-16330"/>
+            <a:ext cx="705666" cy="3760953"/>
+          </a:xfrm>
+          <a:prstGeom prst="bentConnector2">
+            <a:avLst/>
+          </a:prstGeom>
+          <a:ln w="34925">
+            <a:solidFill>
+              <a:schemeClr val="accent1">
+                <a:shade val="50000"/>
+              </a:schemeClr>
+            </a:solidFill>
+            <a:tailEnd type="triangle"/>
+          </a:ln>
+        </p:spPr>
+        <p:style>
+          <a:lnRef idx="1">
+            <a:schemeClr val="accent1"/>
+          </a:lnRef>
+          <a:fillRef idx="0">
+            <a:schemeClr val="accent1"/>
+          </a:fillRef>
+          <a:effectRef idx="0">
+            <a:schemeClr val="accent1"/>
+          </a:effectRef>
+          <a:fontRef idx="minor">
+            <a:schemeClr val="tx1"/>
+          </a:fontRef>
+        </p:style>
+      </p:cxnSp>
+      <p:cxnSp>
+        <p:nvCxnSpPr>
+          <p:cNvPr id="13" name="직선 화살표 연결선 12"/>
+          <p:cNvCxnSpPr>
+            <a:stCxn id="6" idx="2"/>
+            <a:endCxn id="5" idx="0"/>
+          </p:cNvCxnSpPr>
+          <p:nvPr/>
+        </p:nvCxnSpPr>
+        <p:spPr>
+          <a:xfrm flipH="1">
+            <a:off x="8857992" y="2855475"/>
+            <a:ext cx="20184" cy="1074975"/>
+          </a:xfrm>
+          <a:prstGeom prst="straightConnector1">
+            <a:avLst/>
+          </a:prstGeom>
+          <a:ln w="34925">
+            <a:solidFill>
+              <a:schemeClr val="accent1">
+                <a:shade val="50000"/>
+              </a:schemeClr>
+            </a:solidFill>
+            <a:tailEnd type="triangle"/>
+          </a:ln>
+        </p:spPr>
+        <p:style>
+          <a:lnRef idx="1">
+            <a:schemeClr val="accent1"/>
+          </a:lnRef>
+          <a:fillRef idx="0">
+            <a:schemeClr val="accent1"/>
+          </a:fillRef>
+          <a:effectRef idx="0">
+            <a:schemeClr val="accent1"/>
+          </a:effectRef>
+          <a:fontRef idx="minor">
+            <a:schemeClr val="tx1"/>
+          </a:fontRef>
+        </p:style>
+      </p:cxnSp>
+      <p:cxnSp>
+        <p:nvCxnSpPr>
+          <p:cNvPr id="15" name="직선 화살표 연결선 14"/>
+          <p:cNvCxnSpPr>
+            <a:stCxn id="5" idx="1"/>
+          </p:cNvCxnSpPr>
+          <p:nvPr/>
+        </p:nvCxnSpPr>
+        <p:spPr>
+          <a:xfrm flipH="1" flipV="1">
+            <a:off x="6938985" y="4205828"/>
+            <a:ext cx="539552" cy="396006"/>
+          </a:xfrm>
+          <a:prstGeom prst="straightConnector1">
+            <a:avLst/>
+          </a:prstGeom>
+          <a:ln w="34925">
+            <a:solidFill>
+              <a:schemeClr val="accent1">
+                <a:shade val="50000"/>
+              </a:schemeClr>
+            </a:solidFill>
+            <a:tailEnd type="triangle"/>
+          </a:ln>
+        </p:spPr>
+        <p:style>
+          <a:lnRef idx="1">
+            <a:schemeClr val="accent1"/>
+          </a:lnRef>
+          <a:fillRef idx="0">
+            <a:schemeClr val="accent1"/>
+          </a:fillRef>
+          <a:effectRef idx="0">
+            <a:schemeClr val="accent1"/>
+          </a:effectRef>
+          <a:fontRef idx="minor">
+            <a:schemeClr val="tx1"/>
+          </a:fontRef>
+        </p:style>
+      </p:cxnSp>
+      <p:sp>
+        <p:nvSpPr>
+          <p:cNvPr id="16" name="직사각형 15"/>
+          <p:cNvSpPr/>
+          <p:nvPr/>
+        </p:nvSpPr>
+        <p:spPr>
+          <a:xfrm>
+            <a:off x="4719620" y="1627077"/>
+            <a:ext cx="2219365" cy="2578751"/>
+          </a:xfrm>
+          <a:prstGeom prst="rect">
+            <a:avLst/>
+          </a:prstGeom>
+          <a:noFill/>
+          <a:ln w="34925">
+            <a:solidFill>
+              <a:schemeClr val="accent1">
+                <a:shade val="50000"/>
+              </a:schemeClr>
+            </a:solidFill>
+          </a:ln>
+        </p:spPr>
+        <p:style>
+          <a:lnRef idx="2">
+            <a:schemeClr val="accent1">
+              <a:shade val="50000"/>
+            </a:schemeClr>
+          </a:lnRef>
+          <a:fillRef idx="1">
+            <a:schemeClr val="accent1"/>
+          </a:fillRef>
+          <a:effectRef idx="0">
+            <a:schemeClr val="accent1"/>
+          </a:effectRef>
+          <a:fontRef idx="minor">
+            <a:schemeClr val="lt1"/>
+          </a:fontRef>
+        </p:style>
+        <p:txBody>
+          <a:bodyPr rtlCol="0" anchor="ctr"/>
+          <a:lstStyle/>
+          <a:p>
+            <a:pPr algn="ctr"/>
+            <a:endParaRPr lang="ko-KR" altLang="en-US"/>
+          </a:p>
+        </p:txBody>
+      </p:sp>
+    </p:spTree>
+    <p:extLst>
+      <p:ext uri="{BB962C8B-B14F-4D97-AF65-F5344CB8AC3E}">
+        <p14:creationId xmlns:p14="http://schemas.microsoft.com/office/powerpoint/2010/main" val="2760883782"/>
+      </p:ext>
+    </p:extLst>
+  </p:cSld>
+  <p:clrMapOvr>
+    <a:masterClrMapping/>
+  </p:clrMapOvr>
+  <p:timing>
+    <p:tnLst>
+      <p:par>
+        <p:cTn id="1" dur="indefinite" restart="never" nodeType="tmRoot"/>
+      </p:par>
+    </p:tnLst>
+  </p:timing>
+</p:sld>
+</file>
+
+<file path=ppt/slides/slide8.xml><?xml version="1.0" encoding="utf-8"?>
+<p:sld xmlns:a="http://schemas.openxmlformats.org/drawingml/2006/main" xmlns:r="http://schemas.openxmlformats.org/officeDocument/2006/relationships" xmlns:p="http://schemas.openxmlformats.org/presentationml/2006/main">
+  <p:cSld>
+    <p:spTree>
+      <p:nvGrpSpPr>
+        <p:cNvPr id="1" name=""/>
+        <p:cNvGrpSpPr/>
+        <p:nvPr/>
+      </p:nvGrpSpPr>
+      <p:grpSpPr>
+        <a:xfrm>
+          <a:off x="0" y="0"/>
+          <a:ext cx="0" cy="0"/>
+          <a:chOff x="0" y="0"/>
+          <a:chExt cx="0" cy="0"/>
+        </a:xfrm>
+      </p:grpSpPr>
+      <p:sp>
+        <p:nvSpPr>
+          <p:cNvPr id="2" name="제목 1"/>
+          <p:cNvSpPr>
+            <a:spLocks noGrp="1"/>
+          </p:cNvSpPr>
+          <p:nvPr>
+            <p:ph type="title"/>
+          </p:nvPr>
+        </p:nvSpPr>
+        <p:spPr>
+          <a:xfrm>
+            <a:off x="838200" y="428368"/>
+            <a:ext cx="10515600" cy="433945"/>
+          </a:xfrm>
+        </p:spPr>
+        <p:txBody>
+          <a:bodyPr>
+            <a:normAutofit fontScale="90000"/>
+          </a:bodyPr>
+          <a:lstStyle/>
+          <a:p>
+            <a:r>
+              <a:rPr lang="ko-KR" altLang="en-US" sz="2000" dirty="0"/>
+              <a:t>프로그램 </a:t>
+            </a:r>
+            <a:r>
+              <a:rPr lang="ko-KR" altLang="en-US" sz="2000" dirty="0" smtClean="0"/>
+              <a:t>구성도  </a:t>
+            </a:r>
+            <a:r>
+              <a:rPr lang="en-US" altLang="ko-KR" sz="2000" dirty="0" smtClean="0"/>
+              <a:t>(DAO</a:t>
+            </a:r>
+            <a:r>
+              <a:rPr lang="ko-KR" altLang="en-US" sz="2400" dirty="0" smtClean="0"/>
+              <a:t>다이어그램</a:t>
+            </a:r>
+            <a:r>
+              <a:rPr lang="en-US" altLang="ko-KR" sz="2400" dirty="0" smtClean="0"/>
+              <a:t>)</a:t>
+            </a:r>
+            <a:endParaRPr lang="ko-KR" altLang="en-US" sz="2400" dirty="0"/>
+          </a:p>
+        </p:txBody>
+      </p:sp>
+      <p:pic>
+        <p:nvPicPr>
+          <p:cNvPr id="5" name="내용 개체 틀 4"/>
+          <p:cNvPicPr>
+            <a:picLocks noGrp="1" noChangeAspect="1"/>
+          </p:cNvPicPr>
+          <p:nvPr>
+            <p:ph idx="1"/>
+          </p:nvPr>
+        </p:nvPicPr>
+        <p:blipFill rotWithShape="1">
+          <a:blip r:embed="rId2">
+            <a:extLst>
+              <a:ext uri="{28A0092B-C50C-407E-A947-70E740481C1C}">
+                <a14:useLocalDpi xmlns:a14="http://schemas.microsoft.com/office/drawing/2010/main" val="0"/>
+              </a:ext>
+            </a:extLst>
+          </a:blip>
+          <a:srcRect l="48" t="14948" r="80996" b="64966"/>
+          <a:stretch/>
+        </p:blipFill>
+        <p:spPr>
+          <a:xfrm>
+            <a:off x="6650647" y="4626691"/>
+            <a:ext cx="1644267" cy="1251690"/>
+          </a:xfrm>
+          <a:ln w="34925">
+            <a:solidFill>
+              <a:schemeClr val="accent1">
+                <a:shade val="50000"/>
+              </a:schemeClr>
+            </a:solidFill>
+          </a:ln>
+        </p:spPr>
+      </p:pic>
+      <p:pic>
+        <p:nvPicPr>
+          <p:cNvPr id="4" name="그림 3"/>
+          <p:cNvPicPr>
+            <a:picLocks noChangeAspect="1"/>
+          </p:cNvPicPr>
+          <p:nvPr/>
+        </p:nvPicPr>
+        <p:blipFill>
+          <a:blip r:embed="rId3"/>
+          <a:stretch>
+            <a:fillRect/>
+          </a:stretch>
+        </p:blipFill>
+        <p:spPr>
+          <a:xfrm>
+            <a:off x="931579" y="1223313"/>
+            <a:ext cx="4600786" cy="4432041"/>
+          </a:xfrm>
+          <a:prstGeom prst="rect">
+            <a:avLst/>
+          </a:prstGeom>
+        </p:spPr>
+      </p:pic>
+      <p:pic>
+        <p:nvPicPr>
+          <p:cNvPr id="6" name="내용 개체 틀 4"/>
+          <p:cNvPicPr>
+            <a:picLocks noChangeAspect="1"/>
+          </p:cNvPicPr>
+          <p:nvPr/>
+        </p:nvPicPr>
+        <p:blipFill rotWithShape="1">
+          <a:blip r:embed="rId2">
+            <a:extLst>
+              <a:ext uri="{28A0092B-C50C-407E-A947-70E740481C1C}">
+                <a14:useLocalDpi xmlns:a14="http://schemas.microsoft.com/office/drawing/2010/main" val="0"/>
+              </a:ext>
+            </a:extLst>
+          </a:blip>
+          <a:srcRect l="60938" t="15409" r="5733" b="62012"/>
+          <a:stretch/>
+        </p:blipFill>
+        <p:spPr bwMode="gray">
+          <a:xfrm>
+            <a:off x="5763275" y="2738622"/>
+            <a:ext cx="2758909" cy="1342768"/>
+          </a:xfrm>
+          <a:prstGeom prst="rect">
+            <a:avLst/>
+          </a:prstGeom>
+          <a:ln w="34925">
+            <a:solidFill>
+              <a:schemeClr val="accent1">
+                <a:shade val="50000"/>
+              </a:schemeClr>
+            </a:solidFill>
+          </a:ln>
+        </p:spPr>
+      </p:pic>
+      <p:pic>
+        <p:nvPicPr>
+          <p:cNvPr id="8" name="내용 개체 틀 4"/>
+          <p:cNvPicPr>
+            <a:picLocks noChangeAspect="1"/>
+          </p:cNvPicPr>
+          <p:nvPr/>
+        </p:nvPicPr>
+        <p:blipFill rotWithShape="1">
+          <a:blip r:embed="rId2">
+            <a:extLst>
+              <a:ext uri="{28A0092B-C50C-407E-A947-70E740481C1C}">
+                <a14:useLocalDpi xmlns:a14="http://schemas.microsoft.com/office/drawing/2010/main" val="0"/>
+              </a:ext>
+            </a:extLst>
+          </a:blip>
+          <a:srcRect l="67944" t="45607" r="12352" b="26965"/>
+          <a:stretch/>
+        </p:blipFill>
+        <p:spPr bwMode="gray">
+          <a:xfrm>
+            <a:off x="6248648" y="1098658"/>
+            <a:ext cx="1344162" cy="1344162"/>
+          </a:xfrm>
+          <a:prstGeom prst="rect">
+            <a:avLst/>
+          </a:prstGeom>
+          <a:ln w="34925">
+            <a:solidFill>
+              <a:schemeClr val="accent1">
+                <a:shade val="50000"/>
+              </a:schemeClr>
+            </a:solidFill>
+          </a:ln>
+        </p:spPr>
+      </p:pic>
+      <p:sp>
+        <p:nvSpPr>
+          <p:cNvPr id="9" name="직사각형 8"/>
+          <p:cNvSpPr/>
+          <p:nvPr/>
+        </p:nvSpPr>
+        <p:spPr>
+          <a:xfrm>
+            <a:off x="5094514" y="1591828"/>
+            <a:ext cx="345233" cy="255373"/>
+          </a:xfrm>
+          <a:prstGeom prst="rect">
+            <a:avLst/>
+          </a:prstGeom>
+          <a:noFill/>
+          <a:ln w="34925">
+            <a:solidFill>
+              <a:schemeClr val="accent1">
+                <a:shade val="50000"/>
+              </a:schemeClr>
+            </a:solidFill>
+          </a:ln>
+        </p:spPr>
+        <p:style>
+          <a:lnRef idx="2">
+            <a:schemeClr val="accent1">
+              <a:shade val="50000"/>
+            </a:schemeClr>
+          </a:lnRef>
+          <a:fillRef idx="1">
+            <a:schemeClr val="accent1"/>
+          </a:fillRef>
+          <a:effectRef idx="0">
+            <a:schemeClr val="accent1"/>
+          </a:effectRef>
+          <a:fontRef idx="minor">
+            <a:schemeClr val="lt1"/>
+          </a:fontRef>
+        </p:style>
+        <p:txBody>
+          <a:bodyPr rtlCol="0" anchor="ctr"/>
+          <a:lstStyle/>
+          <a:p>
+            <a:pPr algn="ctr"/>
+            <a:endParaRPr lang="ko-KR" altLang="en-US"/>
+          </a:p>
+        </p:txBody>
+      </p:sp>
+      <p:cxnSp>
+        <p:nvCxnSpPr>
+          <p:cNvPr id="10" name="직선 화살표 연결선 8"/>
+          <p:cNvCxnSpPr>
+            <a:stCxn id="9" idx="0"/>
+          </p:cNvCxnSpPr>
+          <p:nvPr/>
+        </p:nvCxnSpPr>
+        <p:spPr>
+          <a:xfrm rot="5400000" flipH="1" flipV="1">
+            <a:off x="5557190" y="914375"/>
+            <a:ext cx="387395" cy="967512"/>
+          </a:xfrm>
+          <a:prstGeom prst="bentConnector2">
+            <a:avLst/>
+          </a:prstGeom>
+          <a:ln w="34925">
+            <a:solidFill>
+              <a:schemeClr val="accent1">
+                <a:shade val="50000"/>
+              </a:schemeClr>
+            </a:solidFill>
+            <a:tailEnd type="triangle"/>
+          </a:ln>
+        </p:spPr>
+        <p:style>
+          <a:lnRef idx="1">
+            <a:schemeClr val="accent1"/>
+          </a:lnRef>
+          <a:fillRef idx="0">
+            <a:schemeClr val="accent1"/>
+          </a:fillRef>
+          <a:effectRef idx="0">
+            <a:schemeClr val="accent1"/>
+          </a:effectRef>
+          <a:fontRef idx="minor">
+            <a:schemeClr val="tx1"/>
+          </a:fontRef>
+        </p:style>
+      </p:cxnSp>
+      <p:cxnSp>
+        <p:nvCxnSpPr>
+          <p:cNvPr id="11" name="직선 화살표 연결선 10"/>
+          <p:cNvCxnSpPr>
+            <a:stCxn id="8" idx="2"/>
+            <a:endCxn id="6" idx="0"/>
+          </p:cNvCxnSpPr>
+          <p:nvPr/>
+        </p:nvCxnSpPr>
+        <p:spPr>
+          <a:xfrm>
+            <a:off x="6920729" y="2442820"/>
+            <a:ext cx="222001" cy="295802"/>
+          </a:xfrm>
+          <a:prstGeom prst="straightConnector1">
+            <a:avLst/>
+          </a:prstGeom>
+          <a:ln w="34925">
+            <a:solidFill>
+              <a:schemeClr val="accent1">
+                <a:shade val="50000"/>
+              </a:schemeClr>
+            </a:solidFill>
+            <a:tailEnd type="triangle"/>
+          </a:ln>
+        </p:spPr>
+        <p:style>
+          <a:lnRef idx="1">
+            <a:schemeClr val="accent1"/>
+          </a:lnRef>
+          <a:fillRef idx="0">
+            <a:schemeClr val="accent1"/>
+          </a:fillRef>
+          <a:effectRef idx="0">
+            <a:schemeClr val="accent1"/>
+          </a:effectRef>
+          <a:fontRef idx="minor">
+            <a:schemeClr val="tx1"/>
+          </a:fontRef>
+        </p:style>
+      </p:cxnSp>
+      <p:sp>
+        <p:nvSpPr>
+          <p:cNvPr id="12" name="직사각형 11"/>
+          <p:cNvSpPr/>
+          <p:nvPr/>
+        </p:nvSpPr>
+        <p:spPr>
+          <a:xfrm>
+            <a:off x="1027426" y="1916327"/>
+            <a:ext cx="4412321" cy="1321396"/>
+          </a:xfrm>
+          <a:prstGeom prst="rect">
+            <a:avLst/>
+          </a:prstGeom>
+          <a:noFill/>
+          <a:ln w="34925">
+            <a:solidFill>
+              <a:schemeClr val="accent1">
+                <a:shade val="50000"/>
+              </a:schemeClr>
+            </a:solidFill>
+          </a:ln>
+        </p:spPr>
+        <p:style>
+          <a:lnRef idx="2">
+            <a:schemeClr val="accent1">
+              <a:shade val="50000"/>
+            </a:schemeClr>
+          </a:lnRef>
+          <a:fillRef idx="1">
+            <a:schemeClr val="accent1"/>
+          </a:fillRef>
+          <a:effectRef idx="0">
+            <a:schemeClr val="accent1"/>
+          </a:effectRef>
+          <a:fontRef idx="minor">
+            <a:schemeClr val="lt1"/>
+          </a:fontRef>
+        </p:style>
+        <p:txBody>
+          <a:bodyPr rtlCol="0" anchor="ctr"/>
+          <a:lstStyle/>
+          <a:p>
+            <a:pPr algn="ctr"/>
+            <a:endParaRPr lang="ko-KR" altLang="en-US"/>
+          </a:p>
+        </p:txBody>
+      </p:sp>
+      <p:pic>
+        <p:nvPicPr>
+          <p:cNvPr id="13" name="그림 12"/>
+          <p:cNvPicPr>
+            <a:picLocks noChangeAspect="1"/>
+          </p:cNvPicPr>
+          <p:nvPr/>
+        </p:nvPicPr>
+        <p:blipFill>
+          <a:blip r:embed="rId4"/>
+          <a:stretch>
+            <a:fillRect/>
+          </a:stretch>
+        </p:blipFill>
+        <p:spPr>
+          <a:xfrm>
+            <a:off x="9142011" y="2294204"/>
+            <a:ext cx="2689450" cy="1474263"/>
+          </a:xfrm>
+          <a:prstGeom prst="rect">
+            <a:avLst/>
+          </a:prstGeom>
+        </p:spPr>
+      </p:pic>
+      <p:cxnSp>
+        <p:nvCxnSpPr>
+          <p:cNvPr id="20" name="직선 화살표 연결선 19"/>
+          <p:cNvCxnSpPr>
+            <a:stCxn id="6" idx="1"/>
+          </p:cNvCxnSpPr>
+          <p:nvPr/>
+        </p:nvCxnSpPr>
+        <p:spPr>
+          <a:xfrm flipH="1" flipV="1">
+            <a:off x="5439747" y="3163078"/>
+            <a:ext cx="323528" cy="246928"/>
+          </a:xfrm>
+          <a:prstGeom prst="straightConnector1">
+            <a:avLst/>
+          </a:prstGeom>
+          <a:ln w="34925">
+            <a:solidFill>
+              <a:schemeClr val="accent1">
+                <a:shade val="50000"/>
+              </a:schemeClr>
+            </a:solidFill>
+            <a:tailEnd type="triangle"/>
+          </a:ln>
+        </p:spPr>
+        <p:style>
+          <a:lnRef idx="1">
+            <a:schemeClr val="accent1"/>
+          </a:lnRef>
+          <a:fillRef idx="0">
+            <a:schemeClr val="accent1"/>
+          </a:fillRef>
+          <a:effectRef idx="0">
+            <a:schemeClr val="accent1"/>
+          </a:effectRef>
+          <a:fontRef idx="minor">
+            <a:schemeClr val="tx1"/>
+          </a:fontRef>
+        </p:style>
+      </p:cxnSp>
+      <p:pic>
+        <p:nvPicPr>
+          <p:cNvPr id="23" name="내용 개체 틀 4"/>
+          <p:cNvPicPr>
+            <a:picLocks noChangeAspect="1"/>
+          </p:cNvPicPr>
+          <p:nvPr/>
+        </p:nvPicPr>
+        <p:blipFill rotWithShape="1">
+          <a:blip r:embed="rId2">
+            <a:extLst>
+              <a:ext uri="{28A0092B-C50C-407E-A947-70E740481C1C}">
+                <a14:useLocalDpi xmlns:a14="http://schemas.microsoft.com/office/drawing/2010/main" val="0"/>
+              </a:ext>
+            </a:extLst>
+          </a:blip>
+          <a:srcRect l="48" t="60126" r="80996" b="22329"/>
+          <a:stretch/>
+        </p:blipFill>
+        <p:spPr bwMode="gray">
+          <a:xfrm>
+            <a:off x="9366938" y="4557258"/>
+            <a:ext cx="1986862" cy="1321123"/>
+          </a:xfrm>
+          <a:prstGeom prst="rect">
+            <a:avLst/>
+          </a:prstGeom>
+          <a:ln w="34925">
+            <a:solidFill>
+              <a:schemeClr val="accent1">
+                <a:shade val="50000"/>
+              </a:schemeClr>
+            </a:solidFill>
+          </a:ln>
+        </p:spPr>
+      </p:pic>
+      <p:cxnSp>
+        <p:nvCxnSpPr>
+          <p:cNvPr id="24" name="직선 화살표 연결선 23"/>
+          <p:cNvCxnSpPr>
+            <a:stCxn id="5" idx="1"/>
+          </p:cNvCxnSpPr>
+          <p:nvPr/>
+        </p:nvCxnSpPr>
+        <p:spPr>
+          <a:xfrm flipH="1" flipV="1">
+            <a:off x="4767668" y="3237725"/>
+            <a:ext cx="1882979" cy="2014811"/>
+          </a:xfrm>
+          <a:prstGeom prst="straightConnector1">
+            <a:avLst/>
+          </a:prstGeom>
+          <a:ln w="34925">
+            <a:solidFill>
+              <a:schemeClr val="accent1">
+                <a:shade val="50000"/>
+              </a:schemeClr>
+            </a:solidFill>
+            <a:tailEnd type="triangle"/>
+          </a:ln>
+        </p:spPr>
+        <p:style>
+          <a:lnRef idx="1">
+            <a:schemeClr val="accent1"/>
+          </a:lnRef>
+          <a:fillRef idx="0">
+            <a:schemeClr val="accent1"/>
+          </a:fillRef>
+          <a:effectRef idx="0">
+            <a:schemeClr val="accent1"/>
+          </a:effectRef>
+          <a:fontRef idx="minor">
+            <a:schemeClr val="tx1"/>
+          </a:fontRef>
+        </p:style>
+      </p:cxnSp>
+      <p:cxnSp>
+        <p:nvCxnSpPr>
+          <p:cNvPr id="27" name="직선 화살표 연결선 26"/>
+          <p:cNvCxnSpPr>
+            <a:stCxn id="23" idx="1"/>
+            <a:endCxn id="5" idx="3"/>
+          </p:cNvCxnSpPr>
+          <p:nvPr/>
+        </p:nvCxnSpPr>
+        <p:spPr>
+          <a:xfrm flipH="1">
+            <a:off x="8294914" y="5217820"/>
+            <a:ext cx="1072024" cy="34716"/>
+          </a:xfrm>
+          <a:prstGeom prst="straightConnector1">
+            <a:avLst/>
+          </a:prstGeom>
+          <a:ln w="34925">
+            <a:solidFill>
+              <a:schemeClr val="accent1">
+                <a:shade val="50000"/>
+              </a:schemeClr>
+            </a:solidFill>
+            <a:tailEnd type="triangle"/>
+          </a:ln>
+        </p:spPr>
+        <p:style>
+          <a:lnRef idx="1">
+            <a:schemeClr val="accent1"/>
+          </a:lnRef>
+          <a:fillRef idx="0">
+            <a:schemeClr val="accent1"/>
+          </a:fillRef>
+          <a:effectRef idx="0">
+            <a:schemeClr val="accent1"/>
+          </a:effectRef>
+          <a:fontRef idx="minor">
+            <a:schemeClr val="tx1"/>
+          </a:fontRef>
+        </p:style>
+      </p:cxnSp>
+      <p:cxnSp>
+        <p:nvCxnSpPr>
+          <p:cNvPr id="31" name="직선 화살표 연결선 30"/>
+          <p:cNvCxnSpPr>
+            <a:endCxn id="23" idx="0"/>
+          </p:cNvCxnSpPr>
+          <p:nvPr/>
+        </p:nvCxnSpPr>
+        <p:spPr>
+          <a:xfrm>
+            <a:off x="10360369" y="3694922"/>
+            <a:ext cx="0" cy="862336"/>
+          </a:xfrm>
+          <a:prstGeom prst="straightConnector1">
+            <a:avLst/>
+          </a:prstGeom>
+          <a:ln w="34925">
+            <a:solidFill>
+              <a:schemeClr val="accent1">
+                <a:shade val="50000"/>
+              </a:schemeClr>
+            </a:solidFill>
+            <a:tailEnd type="triangle"/>
+          </a:ln>
+        </p:spPr>
+        <p:style>
+          <a:lnRef idx="1">
+            <a:schemeClr val="accent1"/>
+          </a:lnRef>
+          <a:fillRef idx="0">
+            <a:schemeClr val="accent1"/>
+          </a:fillRef>
+          <a:effectRef idx="0">
+            <a:schemeClr val="accent1"/>
+          </a:effectRef>
+          <a:fontRef idx="minor">
+            <a:schemeClr val="tx1"/>
+          </a:fontRef>
+        </p:style>
+      </p:cxnSp>
+    </p:spTree>
+    <p:extLst>
+      <p:ext uri="{BB962C8B-B14F-4D97-AF65-F5344CB8AC3E}">
+        <p14:creationId xmlns:p14="http://schemas.microsoft.com/office/powerpoint/2010/main" val="1362074560"/>
+      </p:ext>
+    </p:extLst>
+  </p:cSld>
+  <p:clrMapOvr>
+    <a:masterClrMapping/>
+  </p:clrMapOvr>
+  <p:timing>
+    <p:tnLst>
+      <p:par>
+        <p:cTn id="1" dur="indefinite" restart="never" nodeType="tmRoot"/>
+      </p:par>
+    </p:tnLst>
+  </p:timing>
+</p:sld>
+</file>
+
+<file path=ppt/slides/slide9.xml><?xml version="1.0" encoding="utf-8"?>
+<p:sld xmlns:a="http://schemas.openxmlformats.org/drawingml/2006/main" xmlns:r="http://schemas.openxmlformats.org/officeDocument/2006/relationships" xmlns:p="http://schemas.openxmlformats.org/presentationml/2006/main">
+  <p:cSld>
+    <p:spTree>
+      <p:nvGrpSpPr>
+        <p:cNvPr id="1" name=""/>
+        <p:cNvGrpSpPr/>
+        <p:nvPr/>
+      </p:nvGrpSpPr>
+      <p:grpSpPr>
+        <a:xfrm>
+          <a:off x="0" y="0"/>
+          <a:ext cx="0" cy="0"/>
+          <a:chOff x="0" y="0"/>
+          <a:chExt cx="0" cy="0"/>
+        </a:xfrm>
+      </p:grpSpPr>
+      <p:sp>
+        <p:nvSpPr>
+          <p:cNvPr id="2" name="제목 1"/>
+          <p:cNvSpPr>
+            <a:spLocks noGrp="1"/>
+          </p:cNvSpPr>
+          <p:nvPr>
+            <p:ph type="title"/>
+          </p:nvPr>
+        </p:nvSpPr>
+        <p:spPr>
+          <a:xfrm>
+            <a:off x="838200" y="428368"/>
+            <a:ext cx="10515600" cy="433945"/>
+          </a:xfrm>
+        </p:spPr>
+        <p:txBody>
+          <a:bodyPr>
+            <a:normAutofit fontScale="90000"/>
+          </a:bodyPr>
+          <a:lstStyle/>
+          <a:p>
+            <a:r>
+              <a:rPr lang="ko-KR" altLang="en-US" sz="2000" dirty="0"/>
+              <a:t>프로그램 </a:t>
+            </a:r>
+            <a:r>
+              <a:rPr lang="ko-KR" altLang="en-US" sz="2000" dirty="0" smtClean="0"/>
+              <a:t>구성도  </a:t>
+            </a:r>
+            <a:r>
+              <a:rPr lang="en-US" altLang="ko-KR" sz="2000" dirty="0" smtClean="0"/>
+              <a:t>(DAO</a:t>
+            </a:r>
+            <a:r>
+              <a:rPr lang="ko-KR" altLang="en-US" sz="2400" dirty="0" smtClean="0"/>
+              <a:t>다이어그램</a:t>
+            </a:r>
+            <a:r>
+              <a:rPr lang="en-US" altLang="ko-KR" sz="2400" dirty="0" smtClean="0"/>
+              <a:t>)</a:t>
+            </a:r>
+            <a:endParaRPr lang="ko-KR" altLang="en-US" sz="2400" dirty="0"/>
+          </a:p>
+        </p:txBody>
+      </p:sp>
+      <p:pic>
+        <p:nvPicPr>
+          <p:cNvPr id="5" name="내용 개체 틀 4"/>
+          <p:cNvPicPr>
+            <a:picLocks noGrp="1" noChangeAspect="1"/>
+          </p:cNvPicPr>
+          <p:nvPr>
+            <p:ph idx="1"/>
+          </p:nvPr>
+        </p:nvPicPr>
+        <p:blipFill rotWithShape="1">
+          <a:blip r:embed="rId2">
+            <a:extLst>
+              <a:ext uri="{28A0092B-C50C-407E-A947-70E740481C1C}">
+                <a14:useLocalDpi xmlns:a14="http://schemas.microsoft.com/office/drawing/2010/main" val="0"/>
+              </a:ext>
+            </a:extLst>
+          </a:blip>
+          <a:srcRect l="24007" t="15032" r="60252" b="42563"/>
+          <a:stretch/>
+        </p:blipFill>
+        <p:spPr>
+          <a:xfrm>
+            <a:off x="9767595" y="2392377"/>
+            <a:ext cx="1586205" cy="3069771"/>
+          </a:xfrm>
+          <a:ln w="31750">
+            <a:solidFill>
+              <a:schemeClr val="accent1">
+                <a:shade val="50000"/>
+              </a:schemeClr>
+            </a:solidFill>
+          </a:ln>
+        </p:spPr>
+      </p:pic>
+      <p:pic>
+        <p:nvPicPr>
+          <p:cNvPr id="3" name="그림 2"/>
+          <p:cNvPicPr>
+            <a:picLocks noChangeAspect="1"/>
+          </p:cNvPicPr>
+          <p:nvPr/>
+        </p:nvPicPr>
+        <p:blipFill>
+          <a:blip r:embed="rId3"/>
+          <a:stretch>
+            <a:fillRect/>
+          </a:stretch>
+        </p:blipFill>
+        <p:spPr>
+          <a:xfrm>
+            <a:off x="1102760" y="905732"/>
+            <a:ext cx="5582429" cy="5220429"/>
+          </a:xfrm>
+          <a:prstGeom prst="rect">
+            <a:avLst/>
+          </a:prstGeom>
+        </p:spPr>
+      </p:pic>
+      <p:pic>
+        <p:nvPicPr>
+          <p:cNvPr id="6" name="내용 개체 틀 4"/>
+          <p:cNvPicPr>
+            <a:picLocks noChangeAspect="1"/>
+          </p:cNvPicPr>
+          <p:nvPr/>
+        </p:nvPicPr>
+        <p:blipFill rotWithShape="1">
+          <a:blip r:embed="rId2">
+            <a:extLst>
+              <a:ext uri="{28A0092B-C50C-407E-A947-70E740481C1C}">
+                <a14:useLocalDpi xmlns:a14="http://schemas.microsoft.com/office/drawing/2010/main" val="0"/>
+              </a:ext>
+            </a:extLst>
+          </a:blip>
+          <a:srcRect l="24007" t="60363" r="60252"/>
+          <a:stretch/>
+        </p:blipFill>
+        <p:spPr bwMode="gray">
+          <a:xfrm>
+            <a:off x="7366519" y="1034773"/>
+            <a:ext cx="1586205" cy="2892490"/>
+          </a:xfrm>
+          <a:prstGeom prst="rect">
+            <a:avLst/>
+          </a:prstGeom>
+          <a:ln w="31750">
+            <a:solidFill>
+              <a:schemeClr val="accent1">
+                <a:shade val="50000"/>
+              </a:schemeClr>
+            </a:solidFill>
+          </a:ln>
+        </p:spPr>
+      </p:pic>
+      <p:cxnSp>
+        <p:nvCxnSpPr>
+          <p:cNvPr id="7" name="직선 화살표 연결선 6"/>
+          <p:cNvCxnSpPr>
+            <a:endCxn id="6" idx="1"/>
+          </p:cNvCxnSpPr>
+          <p:nvPr/>
+        </p:nvCxnSpPr>
+        <p:spPr>
+          <a:xfrm>
+            <a:off x="5075853" y="2392377"/>
+            <a:ext cx="2290666" cy="88641"/>
+          </a:xfrm>
+          <a:prstGeom prst="straightConnector1">
+            <a:avLst/>
+          </a:prstGeom>
+          <a:ln w="34925">
+            <a:solidFill>
+              <a:schemeClr val="accent1">
+                <a:shade val="50000"/>
+              </a:schemeClr>
+            </a:solidFill>
+            <a:tailEnd type="triangle"/>
+          </a:ln>
+        </p:spPr>
+        <p:style>
+          <a:lnRef idx="1">
+            <a:schemeClr val="accent1"/>
+          </a:lnRef>
+          <a:fillRef idx="0">
+            <a:schemeClr val="accent1"/>
+          </a:fillRef>
+          <a:effectRef idx="0">
+            <a:schemeClr val="accent1"/>
+          </a:effectRef>
+          <a:fontRef idx="minor">
+            <a:schemeClr val="tx1"/>
+          </a:fontRef>
+        </p:style>
+      </p:cxnSp>
+      <p:sp>
+        <p:nvSpPr>
+          <p:cNvPr id="10" name="직사각형 9"/>
+          <p:cNvSpPr/>
+          <p:nvPr/>
+        </p:nvSpPr>
+        <p:spPr>
+          <a:xfrm>
+            <a:off x="3144415" y="2269225"/>
+            <a:ext cx="1931438" cy="246303"/>
+          </a:xfrm>
+          <a:prstGeom prst="rect">
+            <a:avLst/>
+          </a:prstGeom>
+          <a:noFill/>
+          <a:ln w="34925">
+            <a:solidFill>
+              <a:schemeClr val="accent1">
+                <a:shade val="50000"/>
+              </a:schemeClr>
+            </a:solidFill>
+          </a:ln>
+        </p:spPr>
+        <p:style>
+          <a:lnRef idx="2">
+            <a:schemeClr val="accent1">
+              <a:shade val="50000"/>
+            </a:schemeClr>
+          </a:lnRef>
+          <a:fillRef idx="1">
+            <a:schemeClr val="accent1"/>
+          </a:fillRef>
+          <a:effectRef idx="0">
+            <a:schemeClr val="accent1"/>
+          </a:effectRef>
+          <a:fontRef idx="minor">
+            <a:schemeClr val="lt1"/>
+          </a:fontRef>
+        </p:style>
+        <p:txBody>
+          <a:bodyPr rtlCol="0" anchor="ctr"/>
+          <a:lstStyle/>
+          <a:p>
+            <a:pPr algn="ctr"/>
+            <a:endParaRPr lang="ko-KR" altLang="en-US"/>
+          </a:p>
+        </p:txBody>
+      </p:sp>
+      <p:cxnSp>
+        <p:nvCxnSpPr>
+          <p:cNvPr id="11" name="직선 화살표 연결선 10"/>
+          <p:cNvCxnSpPr>
+            <a:stCxn id="6" idx="3"/>
+            <a:endCxn id="5" idx="1"/>
+          </p:cNvCxnSpPr>
+          <p:nvPr/>
+        </p:nvCxnSpPr>
+        <p:spPr>
+          <a:xfrm>
+            <a:off x="8952724" y="2481018"/>
+            <a:ext cx="814871" cy="1446245"/>
+          </a:xfrm>
+          <a:prstGeom prst="straightConnector1">
+            <a:avLst/>
+          </a:prstGeom>
+          <a:ln w="34925">
+            <a:solidFill>
+              <a:schemeClr val="accent1">
+                <a:shade val="50000"/>
+              </a:schemeClr>
+            </a:solidFill>
+            <a:tailEnd type="triangle"/>
+          </a:ln>
+        </p:spPr>
+        <p:style>
+          <a:lnRef idx="1">
+            <a:schemeClr val="accent1"/>
+          </a:lnRef>
+          <a:fillRef idx="0">
+            <a:schemeClr val="accent1"/>
+          </a:fillRef>
+          <a:effectRef idx="0">
+            <a:schemeClr val="accent1"/>
+          </a:effectRef>
+          <a:fontRef idx="minor">
+            <a:schemeClr val="tx1"/>
+          </a:fontRef>
+        </p:style>
+      </p:cxnSp>
+      <p:cxnSp>
+        <p:nvCxnSpPr>
+          <p:cNvPr id="14" name="직선 화살표 연결선 13"/>
+          <p:cNvCxnSpPr/>
+          <p:nvPr/>
+        </p:nvCxnSpPr>
+        <p:spPr>
+          <a:xfrm rot="10800000">
+            <a:off x="5486402" y="3396343"/>
+            <a:ext cx="4281195" cy="1399592"/>
+          </a:xfrm>
+          <a:prstGeom prst="bentConnector3">
+            <a:avLst>
+              <a:gd name="adj1" fmla="val 100127"/>
+            </a:avLst>
+          </a:prstGeom>
+          <a:ln w="34925">
+            <a:solidFill>
+              <a:schemeClr val="accent1">
+                <a:shade val="50000"/>
+              </a:schemeClr>
+            </a:solidFill>
+            <a:tailEnd type="triangle"/>
+          </a:ln>
+        </p:spPr>
+        <p:style>
+          <a:lnRef idx="1">
+            <a:schemeClr val="accent1"/>
+          </a:lnRef>
+          <a:fillRef idx="0">
+            <a:schemeClr val="accent1"/>
+          </a:fillRef>
+          <a:effectRef idx="0">
+            <a:schemeClr val="accent1"/>
+          </a:effectRef>
+          <a:fontRef idx="minor">
+            <a:schemeClr val="tx1"/>
+          </a:fontRef>
+        </p:style>
+      </p:cxnSp>
+      <p:sp>
+        <p:nvSpPr>
+          <p:cNvPr id="18" name="직사각형 17"/>
+          <p:cNvSpPr/>
+          <p:nvPr/>
+        </p:nvSpPr>
+        <p:spPr>
+          <a:xfrm>
+            <a:off x="1962535" y="2730129"/>
+            <a:ext cx="4270313" cy="666213"/>
+          </a:xfrm>
+          <a:prstGeom prst="rect">
+            <a:avLst/>
+          </a:prstGeom>
+          <a:noFill/>
+          <a:ln w="34925">
+            <a:solidFill>
+              <a:schemeClr val="accent1">
+                <a:shade val="50000"/>
+              </a:schemeClr>
+            </a:solidFill>
+          </a:ln>
+        </p:spPr>
+        <p:style>
+          <a:lnRef idx="2">
+            <a:schemeClr val="accent1">
+              <a:shade val="50000"/>
+            </a:schemeClr>
+          </a:lnRef>
+          <a:fillRef idx="1">
+            <a:schemeClr val="accent1"/>
+          </a:fillRef>
+          <a:effectRef idx="0">
+            <a:schemeClr val="accent1"/>
+          </a:effectRef>
+          <a:fontRef idx="minor">
+            <a:schemeClr val="lt1"/>
+          </a:fontRef>
+        </p:style>
+        <p:txBody>
+          <a:bodyPr rtlCol="0" anchor="ctr"/>
+          <a:lstStyle/>
+          <a:p>
+            <a:pPr algn="ctr"/>
+            <a:endParaRPr lang="ko-KR" altLang="en-US"/>
+          </a:p>
+        </p:txBody>
+      </p:sp>
+    </p:spTree>
+    <p:extLst>
+      <p:ext uri="{BB962C8B-B14F-4D97-AF65-F5344CB8AC3E}">
+        <p14:creationId xmlns:p14="http://schemas.microsoft.com/office/powerpoint/2010/main" val="280932656"/>
+      </p:ext>
+    </p:extLst>
+  </p:cSld>
+  <p:clrMapOvr>
+    <a:masterClrMapping/>
+  </p:clrMapOvr>
+  <p:timing>
+    <p:tnLst>
+      <p:par>
+        <p:cTn id="1" dur="indefinite" restart="never" nodeType="tmRoot"/>
+      </p:par>
+    </p:tnLst>
+  </p:timing>
+</p:sld>
+</file>
+
 <file path=ppt/theme/theme1.xml><?xml version="1.0" encoding="utf-8"?>
 <a:theme xmlns:a="http://schemas.openxmlformats.org/drawingml/2006/main" name="New_Education02">
   <a:themeElements>

--- a/document/학생 관리 프로그램2.pptx
+++ b/document/학생 관리 프로그램2.pptx
@@ -880,7 +880,7 @@
           <a:p>
             <a:fld id="{D28B5240-D2E3-4742-A7A7-37ED02282479}" type="datetimeFigureOut">
               <a:rPr lang="ko-KR" altLang="en-US" smtClean="0"/>
-              <a:t>2021-04-29</a:t>
+              <a:t>2021-04-30</a:t>
             </a:fld>
             <a:endParaRPr lang="ko-KR" altLang="en-US"/>
           </a:p>
@@ -1317,7 +1317,7 @@
           <a:p>
             <a:fld id="{D28B5240-D2E3-4742-A7A7-37ED02282479}" type="datetimeFigureOut">
               <a:rPr lang="ko-KR" altLang="en-US" smtClean="0"/>
-              <a:t>2021-04-29</a:t>
+              <a:t>2021-04-30</a:t>
             </a:fld>
             <a:endParaRPr lang="ko-KR" altLang="en-US"/>
           </a:p>
@@ -2368,7 +2368,7 @@
           <a:p>
             <a:fld id="{D28B5240-D2E3-4742-A7A7-37ED02282479}" type="datetimeFigureOut">
               <a:rPr lang="ko-KR" altLang="en-US" smtClean="0"/>
-              <a:t>2021-04-29</a:t>
+              <a:t>2021-04-30</a:t>
             </a:fld>
             <a:endParaRPr lang="ko-KR" altLang="en-US"/>
           </a:p>
@@ -2558,7 +2558,7 @@
           <a:p>
             <a:fld id="{D28B5240-D2E3-4742-A7A7-37ED02282479}" type="datetimeFigureOut">
               <a:rPr lang="ko-KR" altLang="en-US" smtClean="0"/>
-              <a:t>2021-04-29</a:t>
+              <a:t>2021-04-30</a:t>
             </a:fld>
             <a:endParaRPr lang="ko-KR" altLang="en-US"/>
           </a:p>
@@ -3080,7 +3080,7 @@
           <a:p>
             <a:fld id="{D28B5240-D2E3-4742-A7A7-37ED02282479}" type="datetimeFigureOut">
               <a:rPr lang="ko-KR" altLang="en-US" smtClean="0"/>
-              <a:t>2021-04-29</a:t>
+              <a:t>2021-04-30</a:t>
             </a:fld>
             <a:endParaRPr lang="ko-KR" altLang="en-US"/>
           </a:p>
@@ -3517,7 +3517,7 @@
           <a:p>
             <a:fld id="{D28B5240-D2E3-4742-A7A7-37ED02282479}" type="datetimeFigureOut">
               <a:rPr lang="ko-KR" altLang="en-US" smtClean="0"/>
-              <a:t>2021-04-29</a:t>
+              <a:t>2021-04-30</a:t>
             </a:fld>
             <a:endParaRPr lang="ko-KR" altLang="en-US"/>
           </a:p>
@@ -4211,7 +4211,7 @@
           <a:p>
             <a:fld id="{D28B5240-D2E3-4742-A7A7-37ED02282479}" type="datetimeFigureOut">
               <a:rPr lang="ko-KR" altLang="en-US" smtClean="0"/>
-              <a:t>2021-04-29</a:t>
+              <a:t>2021-04-30</a:t>
             </a:fld>
             <a:endParaRPr lang="ko-KR" altLang="en-US"/>
           </a:p>
@@ -4550,7 +4550,7 @@
           <a:p>
             <a:fld id="{D28B5240-D2E3-4742-A7A7-37ED02282479}" type="datetimeFigureOut">
               <a:rPr lang="ko-KR" altLang="en-US" smtClean="0"/>
-              <a:t>2021-04-29</a:t>
+              <a:t>2021-04-30</a:t>
             </a:fld>
             <a:endParaRPr lang="ko-KR" altLang="en-US"/>
           </a:p>
@@ -4829,7 +4829,7 @@
           <a:p>
             <a:fld id="{D28B5240-D2E3-4742-A7A7-37ED02282479}" type="datetimeFigureOut">
               <a:rPr lang="ko-KR" altLang="en-US" smtClean="0"/>
-              <a:t>2021-04-29</a:t>
+              <a:t>2021-04-30</a:t>
             </a:fld>
             <a:endParaRPr lang="ko-KR" altLang="en-US"/>
           </a:p>
@@ -5481,7 +5481,7 @@
           <a:p>
             <a:fld id="{D28B5240-D2E3-4742-A7A7-37ED02282479}" type="datetimeFigureOut">
               <a:rPr lang="ko-KR" altLang="en-US" smtClean="0"/>
-              <a:t>2021-04-29</a:t>
+              <a:t>2021-04-30</a:t>
             </a:fld>
             <a:endParaRPr lang="ko-KR" altLang="en-US"/>
           </a:p>
@@ -5906,7 +5906,7 @@
           <a:p>
             <a:fld id="{D28B5240-D2E3-4742-A7A7-37ED02282479}" type="datetimeFigureOut">
               <a:rPr lang="ko-KR" altLang="en-US" smtClean="0"/>
-              <a:t>2021-04-29</a:t>
+              <a:t>2021-04-30</a:t>
             </a:fld>
             <a:endParaRPr lang="ko-KR" altLang="en-US"/>
           </a:p>
@@ -10200,7 +10200,7 @@
           <a:p>
             <a:fld id="{D28B5240-D2E3-4742-A7A7-37ED02282479}" type="datetimeFigureOut">
               <a:rPr lang="ko-KR" altLang="en-US" smtClean="0"/>
-              <a:t>2021-04-29</a:t>
+              <a:t>2021-04-30</a:t>
             </a:fld>
             <a:endParaRPr lang="ko-KR" altLang="en-US"/>
           </a:p>
@@ -12084,7 +12084,7 @@
       </p:grpSpPr>
       <p:pic>
         <p:nvPicPr>
-          <p:cNvPr id="2" name="그림 1"/>
+          <p:cNvPr id="4" name="그림 3"/>
           <p:cNvPicPr>
             <a:picLocks noChangeAspect="1"/>
           </p:cNvPicPr>
@@ -12098,8 +12098,8 @@
         </p:blipFill>
         <p:spPr>
           <a:xfrm>
-            <a:off x="1929954" y="1268963"/>
-            <a:ext cx="8613638" cy="4879910"/>
+            <a:off x="2133599" y="1189063"/>
+            <a:ext cx="8279027" cy="4832796"/>
           </a:xfrm>
           <a:prstGeom prst="rect">
             <a:avLst/>
@@ -12156,7 +12156,7 @@
         </p:nvSpPr>
         <p:spPr>
           <a:xfrm>
-            <a:off x="3097763" y="1614196"/>
+            <a:off x="3089525" y="1520149"/>
             <a:ext cx="6512768" cy="419877"/>
           </a:xfrm>
           <a:prstGeom prst="roundRect">
@@ -12236,7 +12236,7 @@
         </p:blipFill>
         <p:spPr>
           <a:xfrm>
-            <a:off x="7728104" y="1104779"/>
+            <a:off x="7692530" y="2286118"/>
             <a:ext cx="4153480" cy="2276793"/>
           </a:xfrm>
           <a:prstGeom prst="rect">
@@ -12252,7 +12252,7 @@
         </p:nvSpPr>
         <p:spPr>
           <a:xfrm>
-            <a:off x="5421086" y="3461657"/>
+            <a:off x="5428721" y="3358200"/>
             <a:ext cx="1660849" cy="247261"/>
           </a:xfrm>
           <a:prstGeom prst="roundRect">
@@ -12775,7 +12775,7 @@
           <a:graphicData uri="http://schemas.openxmlformats.org/presentationml/2006/ole">
             <mc:AlternateContent xmlns:mc="http://schemas.openxmlformats.org/markup-compatibility/2006">
               <mc:Choice xmlns:v="urn:schemas-microsoft-com:vml" Requires="v">
-                <p:oleObj spid="_x0000_s1026" name="포장기 셸 개체" showAsIcon="1" r:id="rId3" imgW="1140840" imgH="540000" progId="Package">
+                <p:oleObj spid="_x0000_s1027" name="포장기 셸 개체" showAsIcon="1" r:id="rId3" imgW="1140840" imgH="540000" progId="Package">
                   <p:embed/>
                 </p:oleObj>
               </mc:Choice>
@@ -12914,11 +12914,7 @@
           <a:p>
             <a:r>
               <a:rPr lang="ko-KR" altLang="en-US" dirty="0" smtClean="0"/>
-              <a:t>화면 </a:t>
-            </a:r>
-            <a:r>
-              <a:rPr lang="ko-KR" altLang="en-US" dirty="0" smtClean="0"/>
-              <a:t>구성</a:t>
+              <a:t>화면 구성</a:t>
             </a:r>
             <a:endParaRPr lang="en-US" altLang="ko-KR" dirty="0" smtClean="0"/>
           </a:p>
@@ -13088,15 +13084,7 @@
             </a:r>
             <a:r>
               <a:rPr lang="ko-KR" altLang="en-US" dirty="0" smtClean="0"/>
-              <a:t>성적 </a:t>
-            </a:r>
-            <a:r>
-              <a:rPr lang="ko-KR" altLang="en-US" dirty="0" smtClean="0"/>
-              <a:t>검색 </a:t>
-            </a:r>
-            <a:r>
-              <a:rPr lang="ko-KR" altLang="en-US" dirty="0" smtClean="0"/>
-              <a:t>및 수정 삭제 관리가 가능함</a:t>
+              <a:t>성적 검색 및 수정 삭제 관리가 가능함</a:t>
             </a:r>
             <a:r>
               <a:rPr lang="en-US" altLang="ko-KR" dirty="0" smtClean="0"/>
